--- a/snapshots/임베디드.pptx
+++ b/snapshots/임베디드.pptx
@@ -12,6 +12,7 @@
     <p:sldId id="260" r:id="rId6"/>
     <p:sldId id="261" r:id="rId7"/>
     <p:sldId id="262" r:id="rId8"/>
+    <p:sldId id="263" r:id="rId9"/>
   </p:sldIdLst>
   <p:sldSz cx="12192000" cy="6858000"/>
   <p:notesSz cx="6858000" cy="9144000"/>
@@ -8918,10 +8919,1950 @@
           <a:chExt cx="0" cy="0"/>
         </a:xfrm>
       </p:grpSpPr>
+      <p:sp>
+        <p:nvSpPr>
+          <p:cNvPr id="2" name="직사각형 1">
+            <a:extLst>
+              <a:ext uri="{FF2B5EF4-FFF2-40B4-BE49-F238E27FC236}">
+                <a16:creationId xmlns:a16="http://schemas.microsoft.com/office/drawing/2014/main" id="{482E6AFB-B4E2-42F9-AD82-CFF641623370}"/>
+              </a:ext>
+            </a:extLst>
+          </p:cNvPr>
+          <p:cNvSpPr/>
+          <p:nvPr/>
+        </p:nvSpPr>
+        <p:spPr>
+          <a:xfrm>
+            <a:off x="4930463" y="254406"/>
+            <a:ext cx="2331073" cy="457200"/>
+          </a:xfrm>
+          <a:prstGeom prst="rect">
+            <a:avLst/>
+          </a:prstGeom>
+          <a:noFill/>
+          <a:ln w="38100">
+            <a:solidFill>
+              <a:schemeClr val="tx1">
+                <a:lumMod val="95000"/>
+                <a:lumOff val="5000"/>
+              </a:schemeClr>
+            </a:solidFill>
+          </a:ln>
+        </p:spPr>
+        <p:style>
+          <a:lnRef idx="2">
+            <a:schemeClr val="accent1">
+              <a:shade val="50000"/>
+            </a:schemeClr>
+          </a:lnRef>
+          <a:fillRef idx="1">
+            <a:schemeClr val="accent1"/>
+          </a:fillRef>
+          <a:effectRef idx="0">
+            <a:schemeClr val="accent1"/>
+          </a:effectRef>
+          <a:fontRef idx="minor">
+            <a:schemeClr val="lt1"/>
+          </a:fontRef>
+        </p:style>
+        <p:txBody>
+          <a:bodyPr rtlCol="0" anchor="ctr"/>
+          <a:lstStyle/>
+          <a:p>
+            <a:pPr algn="ctr"/>
+            <a:r>
+              <a:rPr lang="en-US" altLang="ko-KR" dirty="0">
+                <a:solidFill>
+                  <a:schemeClr val="tx1"/>
+                </a:solidFill>
+                <a:latin typeface="Open Sans Extrabold" panose="020B0906030804020204" pitchFamily="34" charset="0"/>
+                <a:cs typeface="Open Sans Extrabold" panose="020B0906030804020204" pitchFamily="34" charset="0"/>
+              </a:rPr>
+              <a:t>ESTermProject</a:t>
+            </a:r>
+            <a:endParaRPr lang="ko-KR" altLang="en-US" dirty="0">
+              <a:solidFill>
+                <a:schemeClr val="tx1"/>
+              </a:solidFill>
+              <a:latin typeface="Open Sans Extrabold" panose="020B0906030804020204" pitchFamily="34" charset="0"/>
+              <a:cs typeface="Open Sans Extrabold" panose="020B0906030804020204" pitchFamily="34" charset="0"/>
+            </a:endParaRPr>
+          </a:p>
+        </p:txBody>
+      </p:sp>
+      <p:sp>
+        <p:nvSpPr>
+          <p:cNvPr id="34" name="직사각형 33">
+            <a:extLst>
+              <a:ext uri="{FF2B5EF4-FFF2-40B4-BE49-F238E27FC236}">
+                <a16:creationId xmlns:a16="http://schemas.microsoft.com/office/drawing/2014/main" id="{DBA5D026-E5E0-4504-81F4-496537DE7915}"/>
+              </a:ext>
+            </a:extLst>
+          </p:cNvPr>
+          <p:cNvSpPr/>
+          <p:nvPr/>
+        </p:nvSpPr>
+        <p:spPr>
+          <a:xfrm>
+            <a:off x="4372377" y="1331939"/>
+            <a:ext cx="892934" cy="457200"/>
+          </a:xfrm>
+          <a:prstGeom prst="rect">
+            <a:avLst/>
+          </a:prstGeom>
+          <a:noFill/>
+          <a:ln w="38100">
+            <a:solidFill>
+              <a:schemeClr val="tx1">
+                <a:lumMod val="95000"/>
+                <a:lumOff val="5000"/>
+              </a:schemeClr>
+            </a:solidFill>
+          </a:ln>
+        </p:spPr>
+        <p:style>
+          <a:lnRef idx="2">
+            <a:schemeClr val="accent1">
+              <a:shade val="50000"/>
+            </a:schemeClr>
+          </a:lnRef>
+          <a:fillRef idx="1">
+            <a:schemeClr val="accent1"/>
+          </a:fillRef>
+          <a:effectRef idx="0">
+            <a:schemeClr val="accent1"/>
+          </a:effectRef>
+          <a:fontRef idx="minor">
+            <a:schemeClr val="lt1"/>
+          </a:fontRef>
+        </p:style>
+        <p:txBody>
+          <a:bodyPr rtlCol="0" anchor="ctr"/>
+          <a:lstStyle/>
+          <a:p>
+            <a:pPr algn="ctr"/>
+            <a:r>
+              <a:rPr lang="en-US" altLang="ko-KR" dirty="0">
+                <a:solidFill>
+                  <a:schemeClr val="tx1"/>
+                </a:solidFill>
+                <a:latin typeface="Open Sans Extrabold" panose="020B0906030804020204" pitchFamily="34" charset="0"/>
+                <a:cs typeface="Open Sans Extrabold" panose="020B0906030804020204" pitchFamily="34" charset="0"/>
+              </a:rPr>
+              <a:t>gen</a:t>
+            </a:r>
+            <a:endParaRPr lang="ko-KR" altLang="en-US" dirty="0">
+              <a:solidFill>
+                <a:schemeClr val="tx1"/>
+              </a:solidFill>
+              <a:latin typeface="Open Sans Extrabold" panose="020B0906030804020204" pitchFamily="34" charset="0"/>
+              <a:cs typeface="Open Sans Extrabold" panose="020B0906030804020204" pitchFamily="34" charset="0"/>
+            </a:endParaRPr>
+          </a:p>
+        </p:txBody>
+      </p:sp>
+      <p:sp>
+        <p:nvSpPr>
+          <p:cNvPr id="35" name="직사각형 34">
+            <a:extLst>
+              <a:ext uri="{FF2B5EF4-FFF2-40B4-BE49-F238E27FC236}">
+                <a16:creationId xmlns:a16="http://schemas.microsoft.com/office/drawing/2014/main" id="{DA49584A-7C06-4F1A-ACAB-6983AFB11613}"/>
+              </a:ext>
+            </a:extLst>
+          </p:cNvPr>
+          <p:cNvSpPr/>
+          <p:nvPr/>
+        </p:nvSpPr>
+        <p:spPr>
+          <a:xfrm>
+            <a:off x="3095222" y="1331939"/>
+            <a:ext cx="892934" cy="457200"/>
+          </a:xfrm>
+          <a:prstGeom prst="rect">
+            <a:avLst/>
+          </a:prstGeom>
+          <a:noFill/>
+          <a:ln w="38100">
+            <a:solidFill>
+              <a:schemeClr val="tx1">
+                <a:lumMod val="95000"/>
+                <a:lumOff val="5000"/>
+              </a:schemeClr>
+            </a:solidFill>
+          </a:ln>
+        </p:spPr>
+        <p:style>
+          <a:lnRef idx="2">
+            <a:schemeClr val="accent1">
+              <a:shade val="50000"/>
+            </a:schemeClr>
+          </a:lnRef>
+          <a:fillRef idx="1">
+            <a:schemeClr val="accent1"/>
+          </a:fillRef>
+          <a:effectRef idx="0">
+            <a:schemeClr val="accent1"/>
+          </a:effectRef>
+          <a:fontRef idx="minor">
+            <a:schemeClr val="lt1"/>
+          </a:fontRef>
+        </p:style>
+        <p:txBody>
+          <a:bodyPr rtlCol="0" anchor="ctr"/>
+          <a:lstStyle/>
+          <a:p>
+            <a:pPr algn="ctr"/>
+            <a:r>
+              <a:rPr lang="en-US" altLang="ko-KR" dirty="0">
+                <a:solidFill>
+                  <a:schemeClr val="tx1"/>
+                </a:solidFill>
+                <a:latin typeface="Open Sans Extrabold" panose="020B0906030804020204" pitchFamily="34" charset="0"/>
+                <a:cs typeface="Open Sans Extrabold" panose="020B0906030804020204" pitchFamily="34" charset="0"/>
+              </a:rPr>
+              <a:t>src</a:t>
+            </a:r>
+            <a:endParaRPr lang="ko-KR" altLang="en-US" dirty="0">
+              <a:solidFill>
+                <a:schemeClr val="tx1"/>
+              </a:solidFill>
+              <a:latin typeface="Open Sans Extrabold" panose="020B0906030804020204" pitchFamily="34" charset="0"/>
+              <a:cs typeface="Open Sans Extrabold" panose="020B0906030804020204" pitchFamily="34" charset="0"/>
+            </a:endParaRPr>
+          </a:p>
+        </p:txBody>
+      </p:sp>
+      <p:sp>
+        <p:nvSpPr>
+          <p:cNvPr id="36" name="직사각형 35">
+            <a:extLst>
+              <a:ext uri="{FF2B5EF4-FFF2-40B4-BE49-F238E27FC236}">
+                <a16:creationId xmlns:a16="http://schemas.microsoft.com/office/drawing/2014/main" id="{F83D851A-0AD6-4ACC-8BB3-00FD361F431F}"/>
+              </a:ext>
+            </a:extLst>
+          </p:cNvPr>
+          <p:cNvSpPr/>
+          <p:nvPr/>
+        </p:nvSpPr>
+        <p:spPr>
+          <a:xfrm>
+            <a:off x="6926687" y="1331939"/>
+            <a:ext cx="892934" cy="457200"/>
+          </a:xfrm>
+          <a:prstGeom prst="rect">
+            <a:avLst/>
+          </a:prstGeom>
+          <a:noFill/>
+          <a:ln w="38100">
+            <a:solidFill>
+              <a:schemeClr val="tx1">
+                <a:lumMod val="95000"/>
+                <a:lumOff val="5000"/>
+              </a:schemeClr>
+            </a:solidFill>
+          </a:ln>
+        </p:spPr>
+        <p:style>
+          <a:lnRef idx="2">
+            <a:schemeClr val="accent1">
+              <a:shade val="50000"/>
+            </a:schemeClr>
+          </a:lnRef>
+          <a:fillRef idx="1">
+            <a:schemeClr val="accent1"/>
+          </a:fillRef>
+          <a:effectRef idx="0">
+            <a:schemeClr val="accent1"/>
+          </a:effectRef>
+          <a:fontRef idx="minor">
+            <a:schemeClr val="lt1"/>
+          </a:fontRef>
+        </p:style>
+        <p:txBody>
+          <a:bodyPr rtlCol="0" anchor="ctr"/>
+          <a:lstStyle/>
+          <a:p>
+            <a:pPr algn="ctr"/>
+            <a:r>
+              <a:rPr lang="en-US" altLang="ko-KR" dirty="0">
+                <a:solidFill>
+                  <a:schemeClr val="tx1"/>
+                </a:solidFill>
+                <a:latin typeface="Open Sans Extrabold" panose="020B0906030804020204" pitchFamily="34" charset="0"/>
+                <a:cs typeface="Open Sans Extrabold" panose="020B0906030804020204" pitchFamily="34" charset="0"/>
+              </a:rPr>
+              <a:t>res</a:t>
+            </a:r>
+            <a:endParaRPr lang="ko-KR" altLang="en-US" dirty="0">
+              <a:solidFill>
+                <a:schemeClr val="tx1"/>
+              </a:solidFill>
+              <a:latin typeface="Open Sans Extrabold" panose="020B0906030804020204" pitchFamily="34" charset="0"/>
+              <a:cs typeface="Open Sans Extrabold" panose="020B0906030804020204" pitchFamily="34" charset="0"/>
+            </a:endParaRPr>
+          </a:p>
+        </p:txBody>
+      </p:sp>
+      <p:sp>
+        <p:nvSpPr>
+          <p:cNvPr id="37" name="직사각형 36">
+            <a:extLst>
+              <a:ext uri="{FF2B5EF4-FFF2-40B4-BE49-F238E27FC236}">
+                <a16:creationId xmlns:a16="http://schemas.microsoft.com/office/drawing/2014/main" id="{9A8BC12B-E941-4EE2-9632-4B6EE19F387C}"/>
+              </a:ext>
+            </a:extLst>
+          </p:cNvPr>
+          <p:cNvSpPr/>
+          <p:nvPr/>
+        </p:nvSpPr>
+        <p:spPr>
+          <a:xfrm>
+            <a:off x="5649532" y="1331939"/>
+            <a:ext cx="892934" cy="457200"/>
+          </a:xfrm>
+          <a:prstGeom prst="rect">
+            <a:avLst/>
+          </a:prstGeom>
+          <a:noFill/>
+          <a:ln w="38100">
+            <a:solidFill>
+              <a:schemeClr val="tx1">
+                <a:lumMod val="95000"/>
+                <a:lumOff val="5000"/>
+              </a:schemeClr>
+            </a:solidFill>
+          </a:ln>
+        </p:spPr>
+        <p:style>
+          <a:lnRef idx="2">
+            <a:schemeClr val="accent1">
+              <a:shade val="50000"/>
+            </a:schemeClr>
+          </a:lnRef>
+          <a:fillRef idx="1">
+            <a:schemeClr val="accent1"/>
+          </a:fillRef>
+          <a:effectRef idx="0">
+            <a:schemeClr val="accent1"/>
+          </a:effectRef>
+          <a:fontRef idx="minor">
+            <a:schemeClr val="lt1"/>
+          </a:fontRef>
+        </p:style>
+        <p:txBody>
+          <a:bodyPr rtlCol="0" anchor="ctr"/>
+          <a:lstStyle/>
+          <a:p>
+            <a:pPr algn="ctr"/>
+            <a:r>
+              <a:rPr lang="en-US" altLang="ko-KR" dirty="0">
+                <a:solidFill>
+                  <a:schemeClr val="tx1"/>
+                </a:solidFill>
+                <a:latin typeface="Open Sans Extrabold" panose="020B0906030804020204" pitchFamily="34" charset="0"/>
+                <a:cs typeface="Open Sans Extrabold" panose="020B0906030804020204" pitchFamily="34" charset="0"/>
+              </a:rPr>
+              <a:t>libs</a:t>
+            </a:r>
+            <a:endParaRPr lang="ko-KR" altLang="en-US" dirty="0">
+              <a:solidFill>
+                <a:schemeClr val="tx1"/>
+              </a:solidFill>
+              <a:latin typeface="Open Sans Extrabold" panose="020B0906030804020204" pitchFamily="34" charset="0"/>
+              <a:cs typeface="Open Sans Extrabold" panose="020B0906030804020204" pitchFamily="34" charset="0"/>
+            </a:endParaRPr>
+          </a:p>
+        </p:txBody>
+      </p:sp>
+      <p:sp>
+        <p:nvSpPr>
+          <p:cNvPr id="38" name="직사각형 37">
+            <a:extLst>
+              <a:ext uri="{FF2B5EF4-FFF2-40B4-BE49-F238E27FC236}">
+                <a16:creationId xmlns:a16="http://schemas.microsoft.com/office/drawing/2014/main" id="{2DA3059F-D5D5-4DE9-9168-6080404B1B87}"/>
+              </a:ext>
+            </a:extLst>
+          </p:cNvPr>
+          <p:cNvSpPr/>
+          <p:nvPr/>
+        </p:nvSpPr>
+        <p:spPr>
+          <a:xfrm>
+            <a:off x="8203842" y="1331939"/>
+            <a:ext cx="892934" cy="457200"/>
+          </a:xfrm>
+          <a:prstGeom prst="rect">
+            <a:avLst/>
+          </a:prstGeom>
+          <a:noFill/>
+          <a:ln w="38100">
+            <a:solidFill>
+              <a:schemeClr val="tx1">
+                <a:lumMod val="95000"/>
+                <a:lumOff val="5000"/>
+              </a:schemeClr>
+            </a:solidFill>
+          </a:ln>
+        </p:spPr>
+        <p:style>
+          <a:lnRef idx="2">
+            <a:schemeClr val="accent1">
+              <a:shade val="50000"/>
+            </a:schemeClr>
+          </a:lnRef>
+          <a:fillRef idx="1">
+            <a:schemeClr val="accent1"/>
+          </a:fillRef>
+          <a:effectRef idx="0">
+            <a:schemeClr val="accent1"/>
+          </a:effectRef>
+          <a:fontRef idx="minor">
+            <a:schemeClr val="lt1"/>
+          </a:fontRef>
+        </p:style>
+        <p:txBody>
+          <a:bodyPr rtlCol="0" anchor="ctr"/>
+          <a:lstStyle/>
+          <a:p>
+            <a:pPr algn="ctr"/>
+            <a:r>
+              <a:rPr lang="en-US" altLang="ko-KR" dirty="0">
+                <a:solidFill>
+                  <a:schemeClr val="tx1"/>
+                </a:solidFill>
+                <a:latin typeface="Open Sans Extrabold" panose="020B0906030804020204" pitchFamily="34" charset="0"/>
+                <a:cs typeface="Open Sans Extrabold" panose="020B0906030804020204" pitchFamily="34" charset="0"/>
+              </a:rPr>
+              <a:t>bin</a:t>
+            </a:r>
+            <a:endParaRPr lang="ko-KR" altLang="en-US" dirty="0">
+              <a:solidFill>
+                <a:schemeClr val="tx1"/>
+              </a:solidFill>
+              <a:latin typeface="Open Sans Extrabold" panose="020B0906030804020204" pitchFamily="34" charset="0"/>
+              <a:cs typeface="Open Sans Extrabold" panose="020B0906030804020204" pitchFamily="34" charset="0"/>
+            </a:endParaRPr>
+          </a:p>
+        </p:txBody>
+      </p:sp>
+      <p:cxnSp>
+        <p:nvCxnSpPr>
+          <p:cNvPr id="40" name="직선 연결선 39">
+            <a:extLst>
+              <a:ext uri="{FF2B5EF4-FFF2-40B4-BE49-F238E27FC236}">
+                <a16:creationId xmlns:a16="http://schemas.microsoft.com/office/drawing/2014/main" id="{0C1691A5-B362-44DD-B618-219CBBDF38DE}"/>
+              </a:ext>
+            </a:extLst>
+          </p:cNvPr>
+          <p:cNvCxnSpPr>
+            <a:stCxn id="2" idx="2"/>
+            <a:endCxn id="35" idx="0"/>
+          </p:cNvCxnSpPr>
+          <p:nvPr/>
+        </p:nvCxnSpPr>
+        <p:spPr>
+          <a:xfrm flipH="1">
+            <a:off x="3541689" y="711606"/>
+            <a:ext cx="2554311" cy="620333"/>
+          </a:xfrm>
+          <a:prstGeom prst="line">
+            <a:avLst/>
+          </a:prstGeom>
+          <a:ln w="28575">
+            <a:solidFill>
+              <a:schemeClr val="tx1"/>
+            </a:solidFill>
+          </a:ln>
+        </p:spPr>
+        <p:style>
+          <a:lnRef idx="1">
+            <a:schemeClr val="accent1"/>
+          </a:lnRef>
+          <a:fillRef idx="0">
+            <a:schemeClr val="accent1"/>
+          </a:fillRef>
+          <a:effectRef idx="0">
+            <a:schemeClr val="accent1"/>
+          </a:effectRef>
+          <a:fontRef idx="minor">
+            <a:schemeClr val="tx1"/>
+          </a:fontRef>
+        </p:style>
+      </p:cxnSp>
+      <p:cxnSp>
+        <p:nvCxnSpPr>
+          <p:cNvPr id="41" name="직선 연결선 40">
+            <a:extLst>
+              <a:ext uri="{FF2B5EF4-FFF2-40B4-BE49-F238E27FC236}">
+                <a16:creationId xmlns:a16="http://schemas.microsoft.com/office/drawing/2014/main" id="{14D8D968-35F9-4081-BD77-A6260CD34FC9}"/>
+              </a:ext>
+            </a:extLst>
+          </p:cNvPr>
+          <p:cNvCxnSpPr>
+            <a:cxnSpLocks/>
+            <a:stCxn id="2" idx="2"/>
+            <a:endCxn id="34" idx="0"/>
+          </p:cNvCxnSpPr>
+          <p:nvPr/>
+        </p:nvCxnSpPr>
+        <p:spPr>
+          <a:xfrm flipH="1">
+            <a:off x="4818844" y="711606"/>
+            <a:ext cx="1277156" cy="620333"/>
+          </a:xfrm>
+          <a:prstGeom prst="line">
+            <a:avLst/>
+          </a:prstGeom>
+          <a:ln w="28575">
+            <a:solidFill>
+              <a:schemeClr val="tx1"/>
+            </a:solidFill>
+          </a:ln>
+        </p:spPr>
+        <p:style>
+          <a:lnRef idx="1">
+            <a:schemeClr val="accent1"/>
+          </a:lnRef>
+          <a:fillRef idx="0">
+            <a:schemeClr val="accent1"/>
+          </a:fillRef>
+          <a:effectRef idx="0">
+            <a:schemeClr val="accent1"/>
+          </a:effectRef>
+          <a:fontRef idx="minor">
+            <a:schemeClr val="tx1"/>
+          </a:fontRef>
+        </p:style>
+      </p:cxnSp>
+      <p:cxnSp>
+        <p:nvCxnSpPr>
+          <p:cNvPr id="44" name="직선 연결선 43">
+            <a:extLst>
+              <a:ext uri="{FF2B5EF4-FFF2-40B4-BE49-F238E27FC236}">
+                <a16:creationId xmlns:a16="http://schemas.microsoft.com/office/drawing/2014/main" id="{7DF8700B-752D-4A94-827E-090D77015397}"/>
+              </a:ext>
+            </a:extLst>
+          </p:cNvPr>
+          <p:cNvCxnSpPr>
+            <a:cxnSpLocks/>
+            <a:stCxn id="2" idx="2"/>
+            <a:endCxn id="37" idx="0"/>
+          </p:cNvCxnSpPr>
+          <p:nvPr/>
+        </p:nvCxnSpPr>
+        <p:spPr>
+          <a:xfrm flipH="1">
+            <a:off x="6095999" y="711606"/>
+            <a:ext cx="1" cy="620333"/>
+          </a:xfrm>
+          <a:prstGeom prst="line">
+            <a:avLst/>
+          </a:prstGeom>
+          <a:ln w="28575">
+            <a:solidFill>
+              <a:schemeClr val="tx1"/>
+            </a:solidFill>
+          </a:ln>
+        </p:spPr>
+        <p:style>
+          <a:lnRef idx="1">
+            <a:schemeClr val="accent1"/>
+          </a:lnRef>
+          <a:fillRef idx="0">
+            <a:schemeClr val="accent1"/>
+          </a:fillRef>
+          <a:effectRef idx="0">
+            <a:schemeClr val="accent1"/>
+          </a:effectRef>
+          <a:fontRef idx="minor">
+            <a:schemeClr val="tx1"/>
+          </a:fontRef>
+        </p:style>
+      </p:cxnSp>
+      <p:cxnSp>
+        <p:nvCxnSpPr>
+          <p:cNvPr id="47" name="직선 연결선 46">
+            <a:extLst>
+              <a:ext uri="{FF2B5EF4-FFF2-40B4-BE49-F238E27FC236}">
+                <a16:creationId xmlns:a16="http://schemas.microsoft.com/office/drawing/2014/main" id="{7449D3B6-9F2A-4B68-80F9-68915156E488}"/>
+              </a:ext>
+            </a:extLst>
+          </p:cNvPr>
+          <p:cNvCxnSpPr>
+            <a:cxnSpLocks/>
+            <a:stCxn id="2" idx="2"/>
+            <a:endCxn id="36" idx="0"/>
+          </p:cNvCxnSpPr>
+          <p:nvPr/>
+        </p:nvCxnSpPr>
+        <p:spPr>
+          <a:xfrm>
+            <a:off x="6096000" y="711606"/>
+            <a:ext cx="1277154" cy="620333"/>
+          </a:xfrm>
+          <a:prstGeom prst="line">
+            <a:avLst/>
+          </a:prstGeom>
+          <a:ln w="28575">
+            <a:solidFill>
+              <a:schemeClr val="tx1"/>
+            </a:solidFill>
+          </a:ln>
+        </p:spPr>
+        <p:style>
+          <a:lnRef idx="1">
+            <a:schemeClr val="accent1"/>
+          </a:lnRef>
+          <a:fillRef idx="0">
+            <a:schemeClr val="accent1"/>
+          </a:fillRef>
+          <a:effectRef idx="0">
+            <a:schemeClr val="accent1"/>
+          </a:effectRef>
+          <a:fontRef idx="minor">
+            <a:schemeClr val="tx1"/>
+          </a:fontRef>
+        </p:style>
+      </p:cxnSp>
+      <p:cxnSp>
+        <p:nvCxnSpPr>
+          <p:cNvPr id="50" name="직선 연결선 49">
+            <a:extLst>
+              <a:ext uri="{FF2B5EF4-FFF2-40B4-BE49-F238E27FC236}">
+                <a16:creationId xmlns:a16="http://schemas.microsoft.com/office/drawing/2014/main" id="{187106D1-D45A-4301-91D6-91C91CDDBB17}"/>
+              </a:ext>
+            </a:extLst>
+          </p:cNvPr>
+          <p:cNvCxnSpPr>
+            <a:cxnSpLocks/>
+            <a:stCxn id="2" idx="2"/>
+            <a:endCxn id="38" idx="0"/>
+          </p:cNvCxnSpPr>
+          <p:nvPr/>
+        </p:nvCxnSpPr>
+        <p:spPr>
+          <a:xfrm>
+            <a:off x="6096000" y="711606"/>
+            <a:ext cx="2554309" cy="620333"/>
+          </a:xfrm>
+          <a:prstGeom prst="line">
+            <a:avLst/>
+          </a:prstGeom>
+          <a:ln w="28575">
+            <a:solidFill>
+              <a:schemeClr val="tx1"/>
+            </a:solidFill>
+          </a:ln>
+        </p:spPr>
+        <p:style>
+          <a:lnRef idx="1">
+            <a:schemeClr val="accent1"/>
+          </a:lnRef>
+          <a:fillRef idx="0">
+            <a:schemeClr val="accent1"/>
+          </a:fillRef>
+          <a:effectRef idx="0">
+            <a:schemeClr val="accent1"/>
+          </a:effectRef>
+          <a:fontRef idx="minor">
+            <a:schemeClr val="tx1"/>
+          </a:fontRef>
+        </p:style>
+      </p:cxnSp>
+      <p:sp>
+        <p:nvSpPr>
+          <p:cNvPr id="53" name="직사각형 52">
+            <a:extLst>
+              <a:ext uri="{FF2B5EF4-FFF2-40B4-BE49-F238E27FC236}">
+                <a16:creationId xmlns:a16="http://schemas.microsoft.com/office/drawing/2014/main" id="{2FF7444B-D5F7-4A6F-989A-BB16EE8CB2D3}"/>
+              </a:ext>
+            </a:extLst>
+          </p:cNvPr>
+          <p:cNvSpPr/>
+          <p:nvPr/>
+        </p:nvSpPr>
+        <p:spPr>
+          <a:xfrm>
+            <a:off x="5457422" y="2082856"/>
+            <a:ext cx="1277155" cy="457200"/>
+          </a:xfrm>
+          <a:prstGeom prst="rect">
+            <a:avLst/>
+          </a:prstGeom>
+          <a:noFill/>
+          <a:ln w="38100">
+            <a:solidFill>
+              <a:schemeClr val="tx1">
+                <a:lumMod val="95000"/>
+                <a:lumOff val="5000"/>
+              </a:schemeClr>
+            </a:solidFill>
+          </a:ln>
+        </p:spPr>
+        <p:style>
+          <a:lnRef idx="2">
+            <a:schemeClr val="accent1">
+              <a:shade val="50000"/>
+            </a:schemeClr>
+          </a:lnRef>
+          <a:fillRef idx="1">
+            <a:schemeClr val="accent1"/>
+          </a:fillRef>
+          <a:effectRef idx="0">
+            <a:schemeClr val="accent1"/>
+          </a:effectRef>
+          <a:fontRef idx="minor">
+            <a:schemeClr val="lt1"/>
+          </a:fontRef>
+        </p:style>
+        <p:txBody>
+          <a:bodyPr rtlCol="0" anchor="ctr"/>
+          <a:lstStyle/>
+          <a:p>
+            <a:pPr algn="ctr"/>
+            <a:r>
+              <a:rPr lang="en-US" altLang="ko-KR" dirty="0">
+                <a:solidFill>
+                  <a:schemeClr val="tx1"/>
+                </a:solidFill>
+                <a:latin typeface="Open Sans Extrabold" panose="020B0906030804020204" pitchFamily="34" charset="0"/>
+                <a:cs typeface="Open Sans Extrabold" panose="020B0906030804020204" pitchFamily="34" charset="0"/>
+              </a:rPr>
+              <a:t>armeabi</a:t>
+            </a:r>
+            <a:endParaRPr lang="ko-KR" altLang="en-US" dirty="0">
+              <a:solidFill>
+                <a:schemeClr val="tx1"/>
+              </a:solidFill>
+              <a:latin typeface="Open Sans Extrabold" panose="020B0906030804020204" pitchFamily="34" charset="0"/>
+              <a:cs typeface="Open Sans Extrabold" panose="020B0906030804020204" pitchFamily="34" charset="0"/>
+            </a:endParaRPr>
+          </a:p>
+        </p:txBody>
+      </p:sp>
+      <p:cxnSp>
+        <p:nvCxnSpPr>
+          <p:cNvPr id="54" name="직선 연결선 53">
+            <a:extLst>
+              <a:ext uri="{FF2B5EF4-FFF2-40B4-BE49-F238E27FC236}">
+                <a16:creationId xmlns:a16="http://schemas.microsoft.com/office/drawing/2014/main" id="{841BB972-8984-4549-8C84-210C2F9C948D}"/>
+              </a:ext>
+            </a:extLst>
+          </p:cNvPr>
+          <p:cNvCxnSpPr>
+            <a:cxnSpLocks/>
+            <a:stCxn id="53" idx="0"/>
+            <a:endCxn id="37" idx="2"/>
+          </p:cNvCxnSpPr>
+          <p:nvPr/>
+        </p:nvCxnSpPr>
+        <p:spPr>
+          <a:xfrm flipH="1" flipV="1">
+            <a:off x="6095999" y="1789139"/>
+            <a:ext cx="1" cy="293717"/>
+          </a:xfrm>
+          <a:prstGeom prst="line">
+            <a:avLst/>
+          </a:prstGeom>
+          <a:ln w="28575">
+            <a:solidFill>
+              <a:schemeClr val="tx1"/>
+            </a:solidFill>
+          </a:ln>
+        </p:spPr>
+        <p:style>
+          <a:lnRef idx="1">
+            <a:schemeClr val="accent1"/>
+          </a:lnRef>
+          <a:fillRef idx="0">
+            <a:schemeClr val="accent1"/>
+          </a:fillRef>
+          <a:effectRef idx="0">
+            <a:schemeClr val="accent1"/>
+          </a:effectRef>
+          <a:fontRef idx="minor">
+            <a:schemeClr val="tx1"/>
+          </a:fontRef>
+        </p:style>
+      </p:cxnSp>
+      <p:cxnSp>
+        <p:nvCxnSpPr>
+          <p:cNvPr id="57" name="직선 연결선 56">
+            <a:extLst>
+              <a:ext uri="{FF2B5EF4-FFF2-40B4-BE49-F238E27FC236}">
+                <a16:creationId xmlns:a16="http://schemas.microsoft.com/office/drawing/2014/main" id="{10D4DB25-69A4-4A7E-84C5-9894E21B070E}"/>
+              </a:ext>
+            </a:extLst>
+          </p:cNvPr>
+          <p:cNvCxnSpPr>
+            <a:cxnSpLocks/>
+            <a:stCxn id="60" idx="0"/>
+            <a:endCxn id="36" idx="2"/>
+          </p:cNvCxnSpPr>
+          <p:nvPr/>
+        </p:nvCxnSpPr>
+        <p:spPr>
+          <a:xfrm flipH="1" flipV="1">
+            <a:off x="7373154" y="1789139"/>
+            <a:ext cx="638577" cy="920810"/>
+          </a:xfrm>
+          <a:prstGeom prst="line">
+            <a:avLst/>
+          </a:prstGeom>
+          <a:ln w="28575">
+            <a:solidFill>
+              <a:schemeClr val="tx1"/>
+            </a:solidFill>
+          </a:ln>
+        </p:spPr>
+        <p:style>
+          <a:lnRef idx="1">
+            <a:schemeClr val="accent1"/>
+          </a:lnRef>
+          <a:fillRef idx="0">
+            <a:schemeClr val="accent1"/>
+          </a:fillRef>
+          <a:effectRef idx="0">
+            <a:schemeClr val="accent1"/>
+          </a:effectRef>
+          <a:fontRef idx="minor">
+            <a:schemeClr val="tx1"/>
+          </a:fontRef>
+        </p:style>
+      </p:cxnSp>
+      <p:sp>
+        <p:nvSpPr>
+          <p:cNvPr id="60" name="직사각형 59">
+            <a:extLst>
+              <a:ext uri="{FF2B5EF4-FFF2-40B4-BE49-F238E27FC236}">
+                <a16:creationId xmlns:a16="http://schemas.microsoft.com/office/drawing/2014/main" id="{83B6C6BF-E55A-47CE-A044-23842DDC3F73}"/>
+              </a:ext>
+            </a:extLst>
+          </p:cNvPr>
+          <p:cNvSpPr/>
+          <p:nvPr/>
+        </p:nvSpPr>
+        <p:spPr>
+          <a:xfrm>
+            <a:off x="7373153" y="2709949"/>
+            <a:ext cx="1277155" cy="457200"/>
+          </a:xfrm>
+          <a:prstGeom prst="rect">
+            <a:avLst/>
+          </a:prstGeom>
+          <a:noFill/>
+          <a:ln w="38100">
+            <a:solidFill>
+              <a:schemeClr val="tx1">
+                <a:lumMod val="95000"/>
+                <a:lumOff val="5000"/>
+              </a:schemeClr>
+            </a:solidFill>
+          </a:ln>
+        </p:spPr>
+        <p:style>
+          <a:lnRef idx="2">
+            <a:schemeClr val="accent1">
+              <a:shade val="50000"/>
+            </a:schemeClr>
+          </a:lnRef>
+          <a:fillRef idx="1">
+            <a:schemeClr val="accent1"/>
+          </a:fillRef>
+          <a:effectRef idx="0">
+            <a:schemeClr val="accent1"/>
+          </a:effectRef>
+          <a:fontRef idx="minor">
+            <a:schemeClr val="lt1"/>
+          </a:fontRef>
+        </p:style>
+        <p:txBody>
+          <a:bodyPr rtlCol="0" anchor="ctr"/>
+          <a:lstStyle/>
+          <a:p>
+            <a:pPr algn="ctr"/>
+            <a:r>
+              <a:rPr lang="en-US" altLang="ko-KR" dirty="0">
+                <a:solidFill>
+                  <a:schemeClr val="tx1"/>
+                </a:solidFill>
+                <a:latin typeface="Open Sans Extrabold" panose="020B0906030804020204" pitchFamily="34" charset="0"/>
+                <a:cs typeface="Open Sans Extrabold" panose="020B0906030804020204" pitchFamily="34" charset="0"/>
+              </a:rPr>
+              <a:t>layout</a:t>
+            </a:r>
+            <a:endParaRPr lang="ko-KR" altLang="en-US" dirty="0">
+              <a:solidFill>
+                <a:schemeClr val="tx1"/>
+              </a:solidFill>
+              <a:latin typeface="Open Sans Extrabold" panose="020B0906030804020204" pitchFamily="34" charset="0"/>
+              <a:cs typeface="Open Sans Extrabold" panose="020B0906030804020204" pitchFamily="34" charset="0"/>
+            </a:endParaRPr>
+          </a:p>
+        </p:txBody>
+      </p:sp>
+      <p:cxnSp>
+        <p:nvCxnSpPr>
+          <p:cNvPr id="61" name="직선 연결선 60">
+            <a:extLst>
+              <a:ext uri="{FF2B5EF4-FFF2-40B4-BE49-F238E27FC236}">
+                <a16:creationId xmlns:a16="http://schemas.microsoft.com/office/drawing/2014/main" id="{7540489E-C627-4CE2-B902-AE01D996BE98}"/>
+              </a:ext>
+            </a:extLst>
+          </p:cNvPr>
+          <p:cNvCxnSpPr>
+            <a:cxnSpLocks/>
+            <a:stCxn id="63" idx="0"/>
+            <a:endCxn id="36" idx="2"/>
+          </p:cNvCxnSpPr>
+          <p:nvPr/>
+        </p:nvCxnSpPr>
+        <p:spPr>
+          <a:xfrm flipH="1" flipV="1">
+            <a:off x="7373154" y="1789139"/>
+            <a:ext cx="2107844" cy="920810"/>
+          </a:xfrm>
+          <a:prstGeom prst="line">
+            <a:avLst/>
+          </a:prstGeom>
+          <a:ln w="28575">
+            <a:solidFill>
+              <a:schemeClr val="tx1"/>
+            </a:solidFill>
+          </a:ln>
+        </p:spPr>
+        <p:style>
+          <a:lnRef idx="1">
+            <a:schemeClr val="accent1"/>
+          </a:lnRef>
+          <a:fillRef idx="0">
+            <a:schemeClr val="accent1"/>
+          </a:fillRef>
+          <a:effectRef idx="0">
+            <a:schemeClr val="accent1"/>
+          </a:effectRef>
+          <a:fontRef idx="minor">
+            <a:schemeClr val="tx1"/>
+          </a:fontRef>
+        </p:style>
+      </p:cxnSp>
+      <p:sp>
+        <p:nvSpPr>
+          <p:cNvPr id="63" name="직사각형 62">
+            <a:extLst>
+              <a:ext uri="{FF2B5EF4-FFF2-40B4-BE49-F238E27FC236}">
+                <a16:creationId xmlns:a16="http://schemas.microsoft.com/office/drawing/2014/main" id="{3EE11292-75E8-4B4A-A020-C2C17570340D}"/>
+              </a:ext>
+            </a:extLst>
+          </p:cNvPr>
+          <p:cNvSpPr/>
+          <p:nvPr/>
+        </p:nvSpPr>
+        <p:spPr>
+          <a:xfrm>
+            <a:off x="8842420" y="2709949"/>
+            <a:ext cx="1277155" cy="457200"/>
+          </a:xfrm>
+          <a:prstGeom prst="rect">
+            <a:avLst/>
+          </a:prstGeom>
+          <a:noFill/>
+          <a:ln w="38100">
+            <a:solidFill>
+              <a:schemeClr val="tx1">
+                <a:lumMod val="95000"/>
+                <a:lumOff val="5000"/>
+              </a:schemeClr>
+            </a:solidFill>
+          </a:ln>
+        </p:spPr>
+        <p:style>
+          <a:lnRef idx="2">
+            <a:schemeClr val="accent1">
+              <a:shade val="50000"/>
+            </a:schemeClr>
+          </a:lnRef>
+          <a:fillRef idx="1">
+            <a:schemeClr val="accent1"/>
+          </a:fillRef>
+          <a:effectRef idx="0">
+            <a:schemeClr val="accent1"/>
+          </a:effectRef>
+          <a:fontRef idx="minor">
+            <a:schemeClr val="lt1"/>
+          </a:fontRef>
+        </p:style>
+        <p:txBody>
+          <a:bodyPr rtlCol="0" anchor="ctr"/>
+          <a:lstStyle/>
+          <a:p>
+            <a:pPr algn="ctr"/>
+            <a:r>
+              <a:rPr lang="en-US" altLang="ko-KR" dirty="0">
+                <a:solidFill>
+                  <a:schemeClr val="tx1"/>
+                </a:solidFill>
+                <a:latin typeface="Open Sans Extrabold" panose="020B0906030804020204" pitchFamily="34" charset="0"/>
+                <a:cs typeface="Open Sans Extrabold" panose="020B0906030804020204" pitchFamily="34" charset="0"/>
+              </a:rPr>
+              <a:t>values</a:t>
+            </a:r>
+            <a:endParaRPr lang="ko-KR" altLang="en-US" dirty="0">
+              <a:solidFill>
+                <a:schemeClr val="tx1"/>
+              </a:solidFill>
+              <a:latin typeface="Open Sans Extrabold" panose="020B0906030804020204" pitchFamily="34" charset="0"/>
+              <a:cs typeface="Open Sans Extrabold" panose="020B0906030804020204" pitchFamily="34" charset="0"/>
+            </a:endParaRPr>
+          </a:p>
+        </p:txBody>
+      </p:sp>
+      <p:sp>
+        <p:nvSpPr>
+          <p:cNvPr id="67" name="TextBox 66">
+            <a:extLst>
+              <a:ext uri="{FF2B5EF4-FFF2-40B4-BE49-F238E27FC236}">
+                <a16:creationId xmlns:a16="http://schemas.microsoft.com/office/drawing/2014/main" id="{93E9F7B3-A93A-483C-BD15-45B3F9078BC7}"/>
+              </a:ext>
+            </a:extLst>
+          </p:cNvPr>
+          <p:cNvSpPr txBox="1"/>
+          <p:nvPr/>
+        </p:nvSpPr>
+        <p:spPr>
+          <a:xfrm>
+            <a:off x="5318125" y="2664023"/>
+            <a:ext cx="1555747" cy="307777"/>
+          </a:xfrm>
+          <a:prstGeom prst="rect">
+            <a:avLst/>
+          </a:prstGeom>
+          <a:noFill/>
+        </p:spPr>
+        <p:txBody>
+          <a:bodyPr wrap="square" rtlCol="0">
+            <a:spAutoFit/>
+          </a:bodyPr>
+          <a:lstStyle/>
+          <a:p>
+            <a:pPr algn="ctr"/>
+            <a:r>
+              <a:rPr lang="en-US" altLang="ko-KR" sz="1400" dirty="0">
+                <a:latin typeface="Open Sans Extrabold" panose="020B0906030804020204" pitchFamily="34" charset="0"/>
+                <a:ea typeface="Open Sans Extrabold" panose="020B0906030804020204" pitchFamily="34" charset="0"/>
+                <a:cs typeface="Open Sans Extrabold" panose="020B0906030804020204" pitchFamily="34" charset="0"/>
+              </a:rPr>
+              <a:t>libesterm.so</a:t>
+            </a:r>
+          </a:p>
+        </p:txBody>
+      </p:sp>
+      <p:sp>
+        <p:nvSpPr>
+          <p:cNvPr id="68" name="TextBox 67">
+            <a:extLst>
+              <a:ext uri="{FF2B5EF4-FFF2-40B4-BE49-F238E27FC236}">
+                <a16:creationId xmlns:a16="http://schemas.microsoft.com/office/drawing/2014/main" id="{2E8429B4-C620-4A09-A74F-9F8D7B106A0D}"/>
+              </a:ext>
+            </a:extLst>
+          </p:cNvPr>
+          <p:cNvSpPr txBox="1"/>
+          <p:nvPr/>
+        </p:nvSpPr>
+        <p:spPr>
+          <a:xfrm>
+            <a:off x="7233856" y="3322982"/>
+            <a:ext cx="1555747" cy="307777"/>
+          </a:xfrm>
+          <a:prstGeom prst="rect">
+            <a:avLst/>
+          </a:prstGeom>
+          <a:noFill/>
+        </p:spPr>
+        <p:txBody>
+          <a:bodyPr wrap="square" rtlCol="0">
+            <a:spAutoFit/>
+          </a:bodyPr>
+          <a:lstStyle/>
+          <a:p>
+            <a:pPr algn="ctr"/>
+            <a:r>
+              <a:rPr lang="en-US" altLang="ko-KR" sz="1400" dirty="0">
+                <a:latin typeface="Open Sans Extrabold" panose="020B0906030804020204" pitchFamily="34" charset="0"/>
+                <a:ea typeface="Open Sans Extrabold" panose="020B0906030804020204" pitchFamily="34" charset="0"/>
+                <a:cs typeface="Open Sans Extrabold" panose="020B0906030804020204" pitchFamily="34" charset="0"/>
+              </a:rPr>
+              <a:t>main.xml</a:t>
+            </a:r>
+          </a:p>
+        </p:txBody>
+      </p:sp>
+      <p:sp>
+        <p:nvSpPr>
+          <p:cNvPr id="69" name="TextBox 68">
+            <a:extLst>
+              <a:ext uri="{FF2B5EF4-FFF2-40B4-BE49-F238E27FC236}">
+                <a16:creationId xmlns:a16="http://schemas.microsoft.com/office/drawing/2014/main" id="{F6D5001E-8E0A-46DD-B56D-35FA4AB549B2}"/>
+              </a:ext>
+            </a:extLst>
+          </p:cNvPr>
+          <p:cNvSpPr txBox="1"/>
+          <p:nvPr/>
+        </p:nvSpPr>
+        <p:spPr>
+          <a:xfrm>
+            <a:off x="8703123" y="3322981"/>
+            <a:ext cx="1555747" cy="307777"/>
+          </a:xfrm>
+          <a:prstGeom prst="rect">
+            <a:avLst/>
+          </a:prstGeom>
+          <a:noFill/>
+        </p:spPr>
+        <p:txBody>
+          <a:bodyPr wrap="square" rtlCol="0">
+            <a:spAutoFit/>
+          </a:bodyPr>
+          <a:lstStyle/>
+          <a:p>
+            <a:pPr algn="ctr"/>
+            <a:r>
+              <a:rPr lang="en-US" altLang="ko-KR" sz="1400" dirty="0">
+                <a:latin typeface="Open Sans Extrabold" panose="020B0906030804020204" pitchFamily="34" charset="0"/>
+                <a:ea typeface="Open Sans Extrabold" panose="020B0906030804020204" pitchFamily="34" charset="0"/>
+                <a:cs typeface="Open Sans Extrabold" panose="020B0906030804020204" pitchFamily="34" charset="0"/>
+              </a:rPr>
+              <a:t>strings.xml</a:t>
+            </a:r>
+          </a:p>
+        </p:txBody>
+      </p:sp>
+      <p:sp>
+        <p:nvSpPr>
+          <p:cNvPr id="70" name="TextBox 69">
+            <a:extLst>
+              <a:ext uri="{FF2B5EF4-FFF2-40B4-BE49-F238E27FC236}">
+                <a16:creationId xmlns:a16="http://schemas.microsoft.com/office/drawing/2014/main" id="{41D055A5-2370-4EFC-AC35-5B1B2506BC89}"/>
+              </a:ext>
+            </a:extLst>
+          </p:cNvPr>
+          <p:cNvSpPr txBox="1"/>
+          <p:nvPr/>
+        </p:nvSpPr>
+        <p:spPr>
+          <a:xfrm>
+            <a:off x="8703123" y="3632701"/>
+            <a:ext cx="1555747" cy="307777"/>
+          </a:xfrm>
+          <a:prstGeom prst="rect">
+            <a:avLst/>
+          </a:prstGeom>
+          <a:noFill/>
+        </p:spPr>
+        <p:txBody>
+          <a:bodyPr wrap="square" rtlCol="0">
+            <a:spAutoFit/>
+          </a:bodyPr>
+          <a:lstStyle/>
+          <a:p>
+            <a:pPr algn="ctr"/>
+            <a:r>
+              <a:rPr lang="en-US" altLang="ko-KR" sz="1400" dirty="0">
+                <a:latin typeface="Open Sans Extrabold" panose="020B0906030804020204" pitchFamily="34" charset="0"/>
+                <a:ea typeface="Open Sans Extrabold" panose="020B0906030804020204" pitchFamily="34" charset="0"/>
+                <a:cs typeface="Open Sans Extrabold" panose="020B0906030804020204" pitchFamily="34" charset="0"/>
+              </a:rPr>
+              <a:t>array.xml</a:t>
+            </a:r>
+          </a:p>
+        </p:txBody>
+      </p:sp>
+      <p:sp>
+        <p:nvSpPr>
+          <p:cNvPr id="72" name="직사각형 71">
+            <a:extLst>
+              <a:ext uri="{FF2B5EF4-FFF2-40B4-BE49-F238E27FC236}">
+                <a16:creationId xmlns:a16="http://schemas.microsoft.com/office/drawing/2014/main" id="{5DE0A857-76FC-47C0-B29E-A6BB936D426D}"/>
+              </a:ext>
+            </a:extLst>
+          </p:cNvPr>
+          <p:cNvSpPr/>
+          <p:nvPr/>
+        </p:nvSpPr>
+        <p:spPr>
+          <a:xfrm>
+            <a:off x="1255222" y="2082856"/>
+            <a:ext cx="2732934" cy="457200"/>
+          </a:xfrm>
+          <a:prstGeom prst="rect">
+            <a:avLst/>
+          </a:prstGeom>
+          <a:noFill/>
+          <a:ln w="38100">
+            <a:solidFill>
+              <a:schemeClr val="tx1">
+                <a:lumMod val="95000"/>
+                <a:lumOff val="5000"/>
+              </a:schemeClr>
+            </a:solidFill>
+          </a:ln>
+        </p:spPr>
+        <p:style>
+          <a:lnRef idx="2">
+            <a:schemeClr val="accent1">
+              <a:shade val="50000"/>
+            </a:schemeClr>
+          </a:lnRef>
+          <a:fillRef idx="1">
+            <a:schemeClr val="accent1"/>
+          </a:fillRef>
+          <a:effectRef idx="0">
+            <a:schemeClr val="accent1"/>
+          </a:effectRef>
+          <a:fontRef idx="minor">
+            <a:schemeClr val="lt1"/>
+          </a:fontRef>
+        </p:style>
+        <p:txBody>
+          <a:bodyPr rtlCol="0" anchor="ctr"/>
+          <a:lstStyle/>
+          <a:p>
+            <a:pPr algn="ctr"/>
+            <a:r>
+              <a:rPr lang="en-US" altLang="ko-KR" dirty="0">
+                <a:solidFill>
+                  <a:schemeClr val="tx1"/>
+                </a:solidFill>
+                <a:latin typeface="Open Sans Extrabold" panose="020B0906030804020204" pitchFamily="34" charset="0"/>
+                <a:cs typeface="Open Sans Extrabold" panose="020B0906030804020204" pitchFamily="34" charset="0"/>
+              </a:rPr>
+              <a:t>ac.kr.kgu.esproject</a:t>
+            </a:r>
+            <a:endParaRPr lang="ko-KR" altLang="en-US" dirty="0">
+              <a:solidFill>
+                <a:schemeClr val="tx1"/>
+              </a:solidFill>
+              <a:latin typeface="Open Sans Extrabold" panose="020B0906030804020204" pitchFamily="34" charset="0"/>
+              <a:cs typeface="Open Sans Extrabold" panose="020B0906030804020204" pitchFamily="34" charset="0"/>
+            </a:endParaRPr>
+          </a:p>
+        </p:txBody>
+      </p:sp>
+      <p:cxnSp>
+        <p:nvCxnSpPr>
+          <p:cNvPr id="76" name="직선 연결선 75">
+            <a:extLst>
+              <a:ext uri="{FF2B5EF4-FFF2-40B4-BE49-F238E27FC236}">
+                <a16:creationId xmlns:a16="http://schemas.microsoft.com/office/drawing/2014/main" id="{64FDBB3B-311B-4F80-B7F7-8CF45D5D0F41}"/>
+              </a:ext>
+            </a:extLst>
+          </p:cNvPr>
+          <p:cNvCxnSpPr>
+            <a:cxnSpLocks/>
+            <a:stCxn id="72" idx="0"/>
+            <a:endCxn id="35" idx="2"/>
+          </p:cNvCxnSpPr>
+          <p:nvPr/>
+        </p:nvCxnSpPr>
+        <p:spPr>
+          <a:xfrm flipV="1">
+            <a:off x="2621689" y="1789139"/>
+            <a:ext cx="920000" cy="293717"/>
+          </a:xfrm>
+          <a:prstGeom prst="line">
+            <a:avLst/>
+          </a:prstGeom>
+          <a:ln w="28575">
+            <a:solidFill>
+              <a:schemeClr val="tx1"/>
+            </a:solidFill>
+          </a:ln>
+        </p:spPr>
+        <p:style>
+          <a:lnRef idx="1">
+            <a:schemeClr val="accent1"/>
+          </a:lnRef>
+          <a:fillRef idx="0">
+            <a:schemeClr val="accent1"/>
+          </a:fillRef>
+          <a:effectRef idx="0">
+            <a:schemeClr val="accent1"/>
+          </a:effectRef>
+          <a:fontRef idx="minor">
+            <a:schemeClr val="tx1"/>
+          </a:fontRef>
+        </p:style>
+      </p:cxnSp>
+      <p:sp>
+        <p:nvSpPr>
+          <p:cNvPr id="79" name="TextBox 78">
+            <a:extLst>
+              <a:ext uri="{FF2B5EF4-FFF2-40B4-BE49-F238E27FC236}">
+                <a16:creationId xmlns:a16="http://schemas.microsoft.com/office/drawing/2014/main" id="{1B2B73B9-2030-4C99-BC49-D16FE271D43E}"/>
+              </a:ext>
+            </a:extLst>
+          </p:cNvPr>
+          <p:cNvSpPr txBox="1"/>
+          <p:nvPr/>
+        </p:nvSpPr>
+        <p:spPr>
+          <a:xfrm>
+            <a:off x="1255222" y="2664023"/>
+            <a:ext cx="2732934" cy="307777"/>
+          </a:xfrm>
+          <a:prstGeom prst="rect">
+            <a:avLst/>
+          </a:prstGeom>
+          <a:noFill/>
+        </p:spPr>
+        <p:txBody>
+          <a:bodyPr wrap="square" rtlCol="0">
+            <a:spAutoFit/>
+          </a:bodyPr>
+          <a:lstStyle/>
+          <a:p>
+            <a:pPr algn="ctr"/>
+            <a:r>
+              <a:rPr lang="en-US" altLang="ko-KR" sz="1400" dirty="0">
+                <a:latin typeface="Open Sans Extrabold" panose="020B0906030804020204" pitchFamily="34" charset="0"/>
+                <a:ea typeface="Open Sans Extrabold" panose="020B0906030804020204" pitchFamily="34" charset="0"/>
+                <a:cs typeface="Open Sans Extrabold" panose="020B0906030804020204" pitchFamily="34" charset="0"/>
+              </a:rPr>
+              <a:t>ArrayAdderActivity.java</a:t>
+            </a:r>
+          </a:p>
+        </p:txBody>
+      </p:sp>
     </p:spTree>
     <p:extLst>
       <p:ext uri="{BB962C8B-B14F-4D97-AF65-F5344CB8AC3E}">
         <p14:creationId xmlns:p14="http://schemas.microsoft.com/office/powerpoint/2010/main" val="1476088626"/>
+      </p:ext>
+    </p:extLst>
+  </p:cSld>
+  <p:clrMapOvr>
+    <a:masterClrMapping/>
+  </p:clrMapOvr>
+</p:sld>
+</file>
+
+<file path=ppt/slides/slide8.xml><?xml version="1.0" encoding="utf-8"?>
+<p:sld xmlns:a="http://schemas.openxmlformats.org/drawingml/2006/main" xmlns:r="http://schemas.openxmlformats.org/officeDocument/2006/relationships" xmlns:p="http://schemas.openxmlformats.org/presentationml/2006/main">
+  <p:cSld>
+    <p:spTree>
+      <p:nvGrpSpPr>
+        <p:cNvPr id="1" name=""/>
+        <p:cNvGrpSpPr/>
+        <p:nvPr/>
+      </p:nvGrpSpPr>
+      <p:grpSpPr>
+        <a:xfrm>
+          <a:off x="0" y="0"/>
+          <a:ext cx="0" cy="0"/>
+          <a:chOff x="0" y="0"/>
+          <a:chExt cx="0" cy="0"/>
+        </a:xfrm>
+      </p:grpSpPr>
+      <p:pic>
+        <p:nvPicPr>
+          <p:cNvPr id="5" name="그림 4" descr="개체, 시계이(가) 표시된 사진&#10;&#10;자동 생성된 설명">
+            <a:extLst>
+              <a:ext uri="{FF2B5EF4-FFF2-40B4-BE49-F238E27FC236}">
+                <a16:creationId xmlns:a16="http://schemas.microsoft.com/office/drawing/2014/main" id="{B553F86E-B341-4581-9E8B-9305CE815F13}"/>
+              </a:ext>
+            </a:extLst>
+          </p:cNvPr>
+          <p:cNvPicPr>
+            <a:picLocks noChangeAspect="1"/>
+          </p:cNvPicPr>
+          <p:nvPr/>
+        </p:nvPicPr>
+        <p:blipFill rotWithShape="1">
+          <a:blip r:embed="rId2">
+            <a:extLst>
+              <a:ext uri="{28A0092B-C50C-407E-A947-70E740481C1C}">
+                <a14:useLocalDpi xmlns:a14="http://schemas.microsoft.com/office/drawing/2010/main" val="0"/>
+              </a:ext>
+            </a:extLst>
+          </a:blip>
+          <a:srcRect r="3093"/>
+          <a:stretch/>
+        </p:blipFill>
+        <p:spPr>
+          <a:xfrm>
+            <a:off x="171364" y="187924"/>
+            <a:ext cx="2686050" cy="885825"/>
+          </a:xfrm>
+          <a:prstGeom prst="rect">
+            <a:avLst/>
+          </a:prstGeom>
+        </p:spPr>
+      </p:pic>
+      <p:pic>
+        <p:nvPicPr>
+          <p:cNvPr id="7" name="그림 6" descr="개체, 시계, 플레이어이(가) 표시된 사진&#10;&#10;자동 생성된 설명">
+            <a:extLst>
+              <a:ext uri="{FF2B5EF4-FFF2-40B4-BE49-F238E27FC236}">
+                <a16:creationId xmlns:a16="http://schemas.microsoft.com/office/drawing/2014/main" id="{8E04F096-83A1-4691-801C-51A611E83B44}"/>
+              </a:ext>
+            </a:extLst>
+          </p:cNvPr>
+          <p:cNvPicPr>
+            <a:picLocks noChangeAspect="1"/>
+          </p:cNvPicPr>
+          <p:nvPr/>
+        </p:nvPicPr>
+        <p:blipFill rotWithShape="1">
+          <a:blip r:embed="rId3">
+            <a:extLst>
+              <a:ext uri="{28A0092B-C50C-407E-A947-70E740481C1C}">
+                <a14:useLocalDpi xmlns:a14="http://schemas.microsoft.com/office/drawing/2010/main" val="0"/>
+              </a:ext>
+            </a:extLst>
+          </a:blip>
+          <a:srcRect l="1" r="-355"/>
+          <a:stretch/>
+        </p:blipFill>
+        <p:spPr>
+          <a:xfrm>
+            <a:off x="171363" y="1122111"/>
+            <a:ext cx="2695575" cy="914400"/>
+          </a:xfrm>
+          <a:prstGeom prst="rect">
+            <a:avLst/>
+          </a:prstGeom>
+        </p:spPr>
+      </p:pic>
+      <p:pic>
+        <p:nvPicPr>
+          <p:cNvPr id="9" name="그림 8" descr="개체, 시계이(가) 표시된 사진&#10;&#10;자동 생성된 설명">
+            <a:extLst>
+              <a:ext uri="{FF2B5EF4-FFF2-40B4-BE49-F238E27FC236}">
+                <a16:creationId xmlns:a16="http://schemas.microsoft.com/office/drawing/2014/main" id="{A612BB09-8D6F-437E-9EE8-BCBC6075785F}"/>
+              </a:ext>
+            </a:extLst>
+          </p:cNvPr>
+          <p:cNvPicPr>
+            <a:picLocks noChangeAspect="1"/>
+          </p:cNvPicPr>
+          <p:nvPr/>
+        </p:nvPicPr>
+        <p:blipFill>
+          <a:blip r:embed="rId4">
+            <a:extLst>
+              <a:ext uri="{28A0092B-C50C-407E-A947-70E740481C1C}">
+                <a14:useLocalDpi xmlns:a14="http://schemas.microsoft.com/office/drawing/2010/main" val="0"/>
+              </a:ext>
+            </a:extLst>
+          </a:blip>
+          <a:stretch>
+            <a:fillRect/>
+          </a:stretch>
+        </p:blipFill>
+        <p:spPr>
+          <a:xfrm>
+            <a:off x="171363" y="2084873"/>
+            <a:ext cx="2686050" cy="885825"/>
+          </a:xfrm>
+          <a:prstGeom prst="rect">
+            <a:avLst/>
+          </a:prstGeom>
+        </p:spPr>
+      </p:pic>
+      <p:pic>
+        <p:nvPicPr>
+          <p:cNvPr id="11" name="그림 10" descr="개체, 시계이(가) 표시된 사진&#10;&#10;자동 생성된 설명">
+            <a:extLst>
+              <a:ext uri="{FF2B5EF4-FFF2-40B4-BE49-F238E27FC236}">
+                <a16:creationId xmlns:a16="http://schemas.microsoft.com/office/drawing/2014/main" id="{20B24145-48FF-45BE-B2DB-AE58F5517FC3}"/>
+              </a:ext>
+            </a:extLst>
+          </p:cNvPr>
+          <p:cNvPicPr>
+            <a:picLocks noChangeAspect="1"/>
+          </p:cNvPicPr>
+          <p:nvPr/>
+        </p:nvPicPr>
+        <p:blipFill rotWithShape="1">
+          <a:blip r:embed="rId5">
+            <a:extLst>
+              <a:ext uri="{28A0092B-C50C-407E-A947-70E740481C1C}">
+                <a14:useLocalDpi xmlns:a14="http://schemas.microsoft.com/office/drawing/2010/main" val="0"/>
+              </a:ext>
+            </a:extLst>
+          </a:blip>
+          <a:srcRect r="2931"/>
+          <a:stretch/>
+        </p:blipFill>
+        <p:spPr>
+          <a:xfrm>
+            <a:off x="176125" y="3014075"/>
+            <a:ext cx="2681288" cy="904875"/>
+          </a:xfrm>
+          <a:prstGeom prst="rect">
+            <a:avLst/>
+          </a:prstGeom>
+        </p:spPr>
+      </p:pic>
+      <p:pic>
+        <p:nvPicPr>
+          <p:cNvPr id="13" name="그림 12" descr="개체, 시계이(가) 표시된 사진&#10;&#10;자동 생성된 설명">
+            <a:extLst>
+              <a:ext uri="{FF2B5EF4-FFF2-40B4-BE49-F238E27FC236}">
+                <a16:creationId xmlns:a16="http://schemas.microsoft.com/office/drawing/2014/main" id="{6EDB8946-758A-4E62-8D3E-17AEF7EB9C21}"/>
+              </a:ext>
+            </a:extLst>
+          </p:cNvPr>
+          <p:cNvPicPr>
+            <a:picLocks noChangeAspect="1"/>
+          </p:cNvPicPr>
+          <p:nvPr/>
+        </p:nvPicPr>
+        <p:blipFill rotWithShape="1">
+          <a:blip r:embed="rId6">
+            <a:extLst>
+              <a:ext uri="{28A0092B-C50C-407E-A947-70E740481C1C}">
+                <a14:useLocalDpi xmlns:a14="http://schemas.microsoft.com/office/drawing/2010/main" val="0"/>
+              </a:ext>
+            </a:extLst>
+          </a:blip>
+          <a:srcRect r="2931"/>
+          <a:stretch/>
+        </p:blipFill>
+        <p:spPr>
+          <a:xfrm>
+            <a:off x="176125" y="3965583"/>
+            <a:ext cx="2681288" cy="885825"/>
+          </a:xfrm>
+          <a:prstGeom prst="rect">
+            <a:avLst/>
+          </a:prstGeom>
+        </p:spPr>
+      </p:pic>
+      <p:pic>
+        <p:nvPicPr>
+          <p:cNvPr id="15" name="그림 14" descr="개체, 시계이(가) 표시된 사진&#10;&#10;자동 생성된 설명">
+            <a:extLst>
+              <a:ext uri="{FF2B5EF4-FFF2-40B4-BE49-F238E27FC236}">
+                <a16:creationId xmlns:a16="http://schemas.microsoft.com/office/drawing/2014/main" id="{8880E892-DC19-49F5-B66C-084BD63C7C68}"/>
+              </a:ext>
+            </a:extLst>
+          </p:cNvPr>
+          <p:cNvPicPr>
+            <a:picLocks noChangeAspect="1"/>
+          </p:cNvPicPr>
+          <p:nvPr/>
+        </p:nvPicPr>
+        <p:blipFill rotWithShape="1">
+          <a:blip r:embed="rId7">
+            <a:extLst>
+              <a:ext uri="{28A0092B-C50C-407E-A947-70E740481C1C}">
+                <a14:useLocalDpi xmlns:a14="http://schemas.microsoft.com/office/drawing/2010/main" val="0"/>
+              </a:ext>
+            </a:extLst>
+          </a:blip>
+          <a:srcRect r="2931"/>
+          <a:stretch/>
+        </p:blipFill>
+        <p:spPr>
+          <a:xfrm>
+            <a:off x="176125" y="4896514"/>
+            <a:ext cx="2681288" cy="885825"/>
+          </a:xfrm>
+          <a:prstGeom prst="rect">
+            <a:avLst/>
+          </a:prstGeom>
+        </p:spPr>
+      </p:pic>
+      <p:pic>
+        <p:nvPicPr>
+          <p:cNvPr id="17" name="그림 16" descr="개체, 시계, 플레이어이(가) 표시된 사진&#10;&#10;자동 생성된 설명">
+            <a:extLst>
+              <a:ext uri="{FF2B5EF4-FFF2-40B4-BE49-F238E27FC236}">
+                <a16:creationId xmlns:a16="http://schemas.microsoft.com/office/drawing/2014/main" id="{1131CF74-D8E7-41A9-84C2-5D6AA21FCC58}"/>
+              </a:ext>
+            </a:extLst>
+          </p:cNvPr>
+          <p:cNvPicPr>
+            <a:picLocks noChangeAspect="1"/>
+          </p:cNvPicPr>
+          <p:nvPr/>
+        </p:nvPicPr>
+        <p:blipFill rotWithShape="1">
+          <a:blip r:embed="rId8">
+            <a:extLst>
+              <a:ext uri="{28A0092B-C50C-407E-A947-70E740481C1C}">
+                <a14:useLocalDpi xmlns:a14="http://schemas.microsoft.com/office/drawing/2010/main" val="0"/>
+              </a:ext>
+            </a:extLst>
+          </a:blip>
+          <a:srcRect r="4730" b="1497"/>
+          <a:stretch/>
+        </p:blipFill>
+        <p:spPr>
+          <a:xfrm>
+            <a:off x="2967296" y="181906"/>
+            <a:ext cx="2686050" cy="872558"/>
+          </a:xfrm>
+          <a:prstGeom prst="rect">
+            <a:avLst/>
+          </a:prstGeom>
+        </p:spPr>
+      </p:pic>
+      <p:pic>
+        <p:nvPicPr>
+          <p:cNvPr id="19" name="그림 18" descr="개체, 시계이(가) 표시된 사진&#10;&#10;자동 생성된 설명">
+            <a:extLst>
+              <a:ext uri="{FF2B5EF4-FFF2-40B4-BE49-F238E27FC236}">
+                <a16:creationId xmlns:a16="http://schemas.microsoft.com/office/drawing/2014/main" id="{4826D27F-E35D-449D-BD19-D3ED1AF0183A}"/>
+              </a:ext>
+            </a:extLst>
+          </p:cNvPr>
+          <p:cNvPicPr>
+            <a:picLocks noChangeAspect="1"/>
+          </p:cNvPicPr>
+          <p:nvPr/>
+        </p:nvPicPr>
+        <p:blipFill rotWithShape="1">
+          <a:blip r:embed="rId9">
+            <a:extLst>
+              <a:ext uri="{28A0092B-C50C-407E-A947-70E740481C1C}">
+                <a14:useLocalDpi xmlns:a14="http://schemas.microsoft.com/office/drawing/2010/main" val="0"/>
+              </a:ext>
+            </a:extLst>
+          </a:blip>
+          <a:srcRect t="1" r="1882" b="437"/>
+          <a:stretch/>
+        </p:blipFill>
+        <p:spPr>
+          <a:xfrm>
+            <a:off x="2971117" y="1114404"/>
+            <a:ext cx="2682230" cy="881951"/>
+          </a:xfrm>
+          <a:prstGeom prst="rect">
+            <a:avLst/>
+          </a:prstGeom>
+        </p:spPr>
+      </p:pic>
+      <p:pic>
+        <p:nvPicPr>
+          <p:cNvPr id="21" name="그림 20" descr="개체, 시계이(가) 표시된 사진&#10;&#10;자동 생성된 설명">
+            <a:extLst>
+              <a:ext uri="{FF2B5EF4-FFF2-40B4-BE49-F238E27FC236}">
+                <a16:creationId xmlns:a16="http://schemas.microsoft.com/office/drawing/2014/main" id="{35C429A2-110C-4840-81A9-50AA90FC7EAF}"/>
+              </a:ext>
+            </a:extLst>
+          </p:cNvPr>
+          <p:cNvPicPr>
+            <a:picLocks noChangeAspect="1"/>
+          </p:cNvPicPr>
+          <p:nvPr/>
+        </p:nvPicPr>
+        <p:blipFill rotWithShape="1">
+          <a:blip r:embed="rId10">
+            <a:extLst>
+              <a:ext uri="{28A0092B-C50C-407E-A947-70E740481C1C}">
+                <a14:useLocalDpi xmlns:a14="http://schemas.microsoft.com/office/drawing/2010/main" val="0"/>
+              </a:ext>
+            </a:extLst>
+          </a:blip>
+          <a:srcRect l="-1" r="6445" b="6605"/>
+          <a:stretch/>
+        </p:blipFill>
+        <p:spPr>
+          <a:xfrm>
+            <a:off x="2967296" y="2056297"/>
+            <a:ext cx="2682230" cy="942975"/>
+          </a:xfrm>
+          <a:prstGeom prst="rect">
+            <a:avLst/>
+          </a:prstGeom>
+        </p:spPr>
+      </p:pic>
+      <p:pic>
+        <p:nvPicPr>
+          <p:cNvPr id="23" name="그림 22" descr="개체, 시계이(가) 표시된 사진&#10;&#10;자동 생성된 설명">
+            <a:extLst>
+              <a:ext uri="{FF2B5EF4-FFF2-40B4-BE49-F238E27FC236}">
+                <a16:creationId xmlns:a16="http://schemas.microsoft.com/office/drawing/2014/main" id="{3256A139-068B-44CC-8758-741C238C32B6}"/>
+              </a:ext>
+            </a:extLst>
+          </p:cNvPr>
+          <p:cNvPicPr>
+            <a:picLocks noChangeAspect="1"/>
+          </p:cNvPicPr>
+          <p:nvPr/>
+        </p:nvPicPr>
+        <p:blipFill rotWithShape="1">
+          <a:blip r:embed="rId11">
+            <a:extLst>
+              <a:ext uri="{28A0092B-C50C-407E-A947-70E740481C1C}">
+                <a14:useLocalDpi xmlns:a14="http://schemas.microsoft.com/office/drawing/2010/main" val="0"/>
+              </a:ext>
+            </a:extLst>
+          </a:blip>
+          <a:srcRect t="4804" r="6167"/>
+          <a:stretch/>
+        </p:blipFill>
+        <p:spPr>
+          <a:xfrm>
+            <a:off x="2967296" y="3059213"/>
+            <a:ext cx="2681288" cy="915807"/>
+          </a:xfrm>
+          <a:prstGeom prst="rect">
+            <a:avLst/>
+          </a:prstGeom>
+        </p:spPr>
+      </p:pic>
+      <p:pic>
+        <p:nvPicPr>
+          <p:cNvPr id="25" name="그림 24" descr="개체, 시계이(가) 표시된 사진&#10;&#10;자동 생성된 설명">
+            <a:extLst>
+              <a:ext uri="{FF2B5EF4-FFF2-40B4-BE49-F238E27FC236}">
+                <a16:creationId xmlns:a16="http://schemas.microsoft.com/office/drawing/2014/main" id="{D52A377A-ABAA-4AAE-B359-33C2EB6B772A}"/>
+              </a:ext>
+            </a:extLst>
+          </p:cNvPr>
+          <p:cNvPicPr>
+            <a:picLocks noChangeAspect="1"/>
+          </p:cNvPicPr>
+          <p:nvPr/>
+        </p:nvPicPr>
+        <p:blipFill rotWithShape="1">
+          <a:blip r:embed="rId12">
+            <a:extLst>
+              <a:ext uri="{28A0092B-C50C-407E-A947-70E740481C1C}">
+                <a14:useLocalDpi xmlns:a14="http://schemas.microsoft.com/office/drawing/2010/main" val="0"/>
+              </a:ext>
+            </a:extLst>
+          </a:blip>
+          <a:srcRect l="1" r="5536"/>
+          <a:stretch/>
+        </p:blipFill>
+        <p:spPr>
+          <a:xfrm>
+            <a:off x="2967296" y="4034961"/>
+            <a:ext cx="2681288" cy="933450"/>
+          </a:xfrm>
+          <a:prstGeom prst="rect">
+            <a:avLst/>
+          </a:prstGeom>
+        </p:spPr>
+      </p:pic>
+      <p:pic>
+        <p:nvPicPr>
+          <p:cNvPr id="27" name="그림 26" descr="개체, 시계이(가) 표시된 사진&#10;&#10;자동 생성된 설명">
+            <a:extLst>
+              <a:ext uri="{FF2B5EF4-FFF2-40B4-BE49-F238E27FC236}">
+                <a16:creationId xmlns:a16="http://schemas.microsoft.com/office/drawing/2014/main" id="{FE482B38-8F84-48E7-A73A-A7113B510DE9}"/>
+              </a:ext>
+            </a:extLst>
+          </p:cNvPr>
+          <p:cNvPicPr>
+            <a:picLocks noChangeAspect="1"/>
+          </p:cNvPicPr>
+          <p:nvPr/>
+        </p:nvPicPr>
+        <p:blipFill rotWithShape="1">
+          <a:blip r:embed="rId13">
+            <a:extLst>
+              <a:ext uri="{28A0092B-C50C-407E-A947-70E740481C1C}">
+                <a14:useLocalDpi xmlns:a14="http://schemas.microsoft.com/office/drawing/2010/main" val="0"/>
+              </a:ext>
+            </a:extLst>
+          </a:blip>
+          <a:srcRect l="1" r="7401"/>
+          <a:stretch/>
+        </p:blipFill>
+        <p:spPr>
+          <a:xfrm>
+            <a:off x="2967296" y="5025127"/>
+            <a:ext cx="2681288" cy="962025"/>
+          </a:xfrm>
+          <a:prstGeom prst="rect">
+            <a:avLst/>
+          </a:prstGeom>
+        </p:spPr>
+      </p:pic>
+      <p:pic>
+        <p:nvPicPr>
+          <p:cNvPr id="29" name="그림 28" descr="개체, 시계, 기차이(가) 표시된 사진&#10;&#10;자동 생성된 설명">
+            <a:extLst>
+              <a:ext uri="{FF2B5EF4-FFF2-40B4-BE49-F238E27FC236}">
+                <a16:creationId xmlns:a16="http://schemas.microsoft.com/office/drawing/2014/main" id="{07072E08-9531-4E93-838E-DC8548E868D3}"/>
+              </a:ext>
+            </a:extLst>
+          </p:cNvPr>
+          <p:cNvPicPr>
+            <a:picLocks noChangeAspect="1"/>
+          </p:cNvPicPr>
+          <p:nvPr/>
+        </p:nvPicPr>
+        <p:blipFill rotWithShape="1">
+          <a:blip r:embed="rId14">
+            <a:extLst>
+              <a:ext uri="{28A0092B-C50C-407E-A947-70E740481C1C}">
+                <a14:useLocalDpi xmlns:a14="http://schemas.microsoft.com/office/drawing/2010/main" val="0"/>
+              </a:ext>
+            </a:extLst>
+          </a:blip>
+          <a:srcRect r="3925"/>
+          <a:stretch/>
+        </p:blipFill>
+        <p:spPr>
+          <a:xfrm>
+            <a:off x="5757525" y="177184"/>
+            <a:ext cx="2681287" cy="962025"/>
+          </a:xfrm>
+          <a:prstGeom prst="rect">
+            <a:avLst/>
+          </a:prstGeom>
+        </p:spPr>
+      </p:pic>
+      <p:pic>
+        <p:nvPicPr>
+          <p:cNvPr id="31" name="그림 30" descr="개체, 시계이(가) 표시된 사진&#10;&#10;자동 생성된 설명">
+            <a:extLst>
+              <a:ext uri="{FF2B5EF4-FFF2-40B4-BE49-F238E27FC236}">
+                <a16:creationId xmlns:a16="http://schemas.microsoft.com/office/drawing/2014/main" id="{84F31CED-774D-4F1C-BD48-F4656CFF7DD3}"/>
+              </a:ext>
+            </a:extLst>
+          </p:cNvPr>
+          <p:cNvPicPr>
+            <a:picLocks noChangeAspect="1"/>
+          </p:cNvPicPr>
+          <p:nvPr/>
+        </p:nvPicPr>
+        <p:blipFill rotWithShape="1">
+          <a:blip r:embed="rId15">
+            <a:extLst>
+              <a:ext uri="{28A0092B-C50C-407E-A947-70E740481C1C}">
+                <a14:useLocalDpi xmlns:a14="http://schemas.microsoft.com/office/drawing/2010/main" val="0"/>
+              </a:ext>
+            </a:extLst>
+          </a:blip>
+          <a:srcRect r="6167"/>
+          <a:stretch/>
+        </p:blipFill>
+        <p:spPr>
+          <a:xfrm>
+            <a:off x="5759410" y="1218519"/>
+            <a:ext cx="2681287" cy="933450"/>
+          </a:xfrm>
+          <a:prstGeom prst="rect">
+            <a:avLst/>
+          </a:prstGeom>
+        </p:spPr>
+      </p:pic>
+      <p:pic>
+        <p:nvPicPr>
+          <p:cNvPr id="33" name="그림 32" descr="개체, 시계이(가) 표시된 사진&#10;&#10;자동 생성된 설명">
+            <a:extLst>
+              <a:ext uri="{FF2B5EF4-FFF2-40B4-BE49-F238E27FC236}">
+                <a16:creationId xmlns:a16="http://schemas.microsoft.com/office/drawing/2014/main" id="{40080916-8F83-4D62-9767-918A47B0F87E}"/>
+              </a:ext>
+            </a:extLst>
+          </p:cNvPr>
+          <p:cNvPicPr>
+            <a:picLocks noChangeAspect="1"/>
+          </p:cNvPicPr>
+          <p:nvPr/>
+        </p:nvPicPr>
+        <p:blipFill rotWithShape="1">
+          <a:blip r:embed="rId16">
+            <a:extLst>
+              <a:ext uri="{28A0092B-C50C-407E-A947-70E740481C1C}">
+                <a14:useLocalDpi xmlns:a14="http://schemas.microsoft.com/office/drawing/2010/main" val="0"/>
+              </a:ext>
+            </a:extLst>
+          </a:blip>
+          <a:srcRect r="4577"/>
+          <a:stretch/>
+        </p:blipFill>
+        <p:spPr>
+          <a:xfrm>
+            <a:off x="5759411" y="2218245"/>
+            <a:ext cx="2681288" cy="942975"/>
+          </a:xfrm>
+          <a:prstGeom prst="rect">
+            <a:avLst/>
+          </a:prstGeom>
+        </p:spPr>
+      </p:pic>
+      <p:pic>
+        <p:nvPicPr>
+          <p:cNvPr id="35" name="그림 34" descr="개체, 시계, 플레이어이(가) 표시된 사진&#10;&#10;자동 생성된 설명">
+            <a:extLst>
+              <a:ext uri="{FF2B5EF4-FFF2-40B4-BE49-F238E27FC236}">
+                <a16:creationId xmlns:a16="http://schemas.microsoft.com/office/drawing/2014/main" id="{22070E8A-54B2-4528-9A28-C5E8FB16C5C6}"/>
+              </a:ext>
+            </a:extLst>
+          </p:cNvPr>
+          <p:cNvPicPr>
+            <a:picLocks noChangeAspect="1"/>
+          </p:cNvPicPr>
+          <p:nvPr/>
+        </p:nvPicPr>
+        <p:blipFill rotWithShape="1">
+          <a:blip r:embed="rId17">
+            <a:extLst>
+              <a:ext uri="{28A0092B-C50C-407E-A947-70E740481C1C}">
+                <a14:useLocalDpi xmlns:a14="http://schemas.microsoft.com/office/drawing/2010/main" val="0"/>
+              </a:ext>
+            </a:extLst>
+          </a:blip>
+          <a:srcRect r="5536"/>
+          <a:stretch/>
+        </p:blipFill>
+        <p:spPr>
+          <a:xfrm>
+            <a:off x="5759409" y="3232217"/>
+            <a:ext cx="2681289" cy="914400"/>
+          </a:xfrm>
+          <a:prstGeom prst="rect">
+            <a:avLst/>
+          </a:prstGeom>
+        </p:spPr>
+      </p:pic>
+      <p:pic>
+        <p:nvPicPr>
+          <p:cNvPr id="36" name="그림 35" descr="개체, 시계이(가) 표시된 사진&#10;&#10;자동 생성된 설명">
+            <a:extLst>
+              <a:ext uri="{FF2B5EF4-FFF2-40B4-BE49-F238E27FC236}">
+                <a16:creationId xmlns:a16="http://schemas.microsoft.com/office/drawing/2014/main" id="{F96059B6-DE6A-4385-A00F-75D778CFA4E9}"/>
+              </a:ext>
+            </a:extLst>
+          </p:cNvPr>
+          <p:cNvPicPr>
+            <a:picLocks noChangeAspect="1"/>
+          </p:cNvPicPr>
+          <p:nvPr/>
+        </p:nvPicPr>
+        <p:blipFill rotWithShape="1">
+          <a:blip r:embed="rId2">
+            <a:extLst>
+              <a:ext uri="{28A0092B-C50C-407E-A947-70E740481C1C}">
+                <a14:useLocalDpi xmlns:a14="http://schemas.microsoft.com/office/drawing/2010/main" val="0"/>
+              </a:ext>
+            </a:extLst>
+          </a:blip>
+          <a:srcRect r="3093"/>
+          <a:stretch/>
+        </p:blipFill>
+        <p:spPr>
+          <a:xfrm>
+            <a:off x="5757525" y="4217614"/>
+            <a:ext cx="2686050" cy="885825"/>
+          </a:xfrm>
+          <a:prstGeom prst="rect">
+            <a:avLst/>
+          </a:prstGeom>
+        </p:spPr>
+      </p:pic>
+    </p:spTree>
+    <p:extLst>
+      <p:ext uri="{BB962C8B-B14F-4D97-AF65-F5344CB8AC3E}">
+        <p14:creationId xmlns:p14="http://schemas.microsoft.com/office/powerpoint/2010/main" val="1913219640"/>
       </p:ext>
     </p:extLst>
   </p:cSld>

--- a/snapshots/임베디드.pptx
+++ b/snapshots/임베디드.pptx
@@ -13,6 +13,7 @@
     <p:sldId id="261" r:id="rId7"/>
     <p:sldId id="262" r:id="rId8"/>
     <p:sldId id="263" r:id="rId9"/>
+    <p:sldId id="264" r:id="rId10"/>
   </p:sldIdLst>
   <p:sldSz cx="12192000" cy="6858000"/>
   <p:notesSz cx="6858000" cy="9144000"/>
@@ -10285,13 +10286,13 @@
               </a:ext>
             </a:extLst>
           </a:blip>
-          <a:srcRect r="3093"/>
+          <a:srcRect r="5788"/>
           <a:stretch/>
         </p:blipFill>
         <p:spPr>
           <a:xfrm>
-            <a:off x="171364" y="187924"/>
-            <a:ext cx="2686050" cy="885825"/>
+            <a:off x="171366" y="187924"/>
+            <a:ext cx="2546998" cy="864000"/>
           </a:xfrm>
           <a:prstGeom prst="rect">
             <a:avLst/>
@@ -10325,8 +10326,8 @@
         </p:blipFill>
         <p:spPr>
           <a:xfrm>
-            <a:off x="171363" y="1122111"/>
-            <a:ext cx="2695575" cy="914400"/>
+            <a:off x="171363" y="1097486"/>
+            <a:ext cx="2547000" cy="864000"/>
           </a:xfrm>
           <a:prstGeom prst="rect">
             <a:avLst/>
@@ -10347,8 +10348,563 @@
           </p:cNvPicPr>
           <p:nvPr/>
         </p:nvPicPr>
+        <p:blipFill rotWithShape="1">
+          <a:blip r:embed="rId4">
+            <a:extLst>
+              <a:ext uri="{28A0092B-C50C-407E-A947-70E740481C1C}">
+                <a14:useLocalDpi xmlns:a14="http://schemas.microsoft.com/office/drawing/2010/main" val="0"/>
+              </a:ext>
+            </a:extLst>
+          </a:blip>
+          <a:srcRect r="2782"/>
+          <a:stretch/>
+        </p:blipFill>
+        <p:spPr>
+          <a:xfrm>
+            <a:off x="171364" y="2007049"/>
+            <a:ext cx="2520000" cy="854841"/>
+          </a:xfrm>
+          <a:prstGeom prst="rect">
+            <a:avLst/>
+          </a:prstGeom>
+        </p:spPr>
+      </p:pic>
+      <p:pic>
+        <p:nvPicPr>
+          <p:cNvPr id="11" name="그림 10" descr="개체, 시계이(가) 표시된 사진&#10;&#10;자동 생성된 설명">
+            <a:extLst>
+              <a:ext uri="{FF2B5EF4-FFF2-40B4-BE49-F238E27FC236}">
+                <a16:creationId xmlns:a16="http://schemas.microsoft.com/office/drawing/2014/main" id="{20B24145-48FF-45BE-B2DB-AE58F5517FC3}"/>
+              </a:ext>
+            </a:extLst>
+          </p:cNvPr>
+          <p:cNvPicPr>
+            <a:picLocks/>
+          </p:cNvPicPr>
+          <p:nvPr/>
+        </p:nvPicPr>
+        <p:blipFill rotWithShape="1">
+          <a:blip r:embed="rId5">
+            <a:extLst>
+              <a:ext uri="{28A0092B-C50C-407E-A947-70E740481C1C}">
+                <a14:useLocalDpi xmlns:a14="http://schemas.microsoft.com/office/drawing/2010/main" val="0"/>
+              </a:ext>
+            </a:extLst>
+          </a:blip>
+          <a:srcRect r="-705"/>
+          <a:stretch/>
+        </p:blipFill>
+        <p:spPr>
+          <a:xfrm>
+            <a:off x="176125" y="2916610"/>
+            <a:ext cx="2520000" cy="864000"/>
+          </a:xfrm>
+          <a:prstGeom prst="rect">
+            <a:avLst/>
+          </a:prstGeom>
+        </p:spPr>
+      </p:pic>
+      <p:pic>
+        <p:nvPicPr>
+          <p:cNvPr id="13" name="그림 12" descr="개체, 시계이(가) 표시된 사진&#10;&#10;자동 생성된 설명">
+            <a:extLst>
+              <a:ext uri="{FF2B5EF4-FFF2-40B4-BE49-F238E27FC236}">
+                <a16:creationId xmlns:a16="http://schemas.microsoft.com/office/drawing/2014/main" id="{6EDB8946-758A-4E62-8D3E-17AEF7EB9C21}"/>
+              </a:ext>
+            </a:extLst>
+          </p:cNvPr>
+          <p:cNvPicPr>
+            <a:picLocks noChangeAspect="1"/>
+          </p:cNvPicPr>
+          <p:nvPr/>
+        </p:nvPicPr>
+        <p:blipFill rotWithShape="1">
+          <a:blip r:embed="rId6">
+            <a:extLst>
+              <a:ext uri="{28A0092B-C50C-407E-A947-70E740481C1C}">
+                <a14:useLocalDpi xmlns:a14="http://schemas.microsoft.com/office/drawing/2010/main" val="0"/>
+              </a:ext>
+            </a:extLst>
+          </a:blip>
+          <a:srcRect r="5640"/>
+          <a:stretch/>
+        </p:blipFill>
+        <p:spPr>
+          <a:xfrm>
+            <a:off x="176125" y="3826172"/>
+            <a:ext cx="2542238" cy="864000"/>
+          </a:xfrm>
+          <a:prstGeom prst="rect">
+            <a:avLst/>
+          </a:prstGeom>
+        </p:spPr>
+      </p:pic>
+      <p:pic>
+        <p:nvPicPr>
+          <p:cNvPr id="15" name="그림 14" descr="개체, 시계이(가) 표시된 사진&#10;&#10;자동 생성된 설명">
+            <a:extLst>
+              <a:ext uri="{FF2B5EF4-FFF2-40B4-BE49-F238E27FC236}">
+                <a16:creationId xmlns:a16="http://schemas.microsoft.com/office/drawing/2014/main" id="{8880E892-DC19-49F5-B66C-084BD63C7C68}"/>
+              </a:ext>
+            </a:extLst>
+          </p:cNvPr>
+          <p:cNvPicPr>
+            <a:picLocks noChangeAspect="1"/>
+          </p:cNvPicPr>
+          <p:nvPr/>
+        </p:nvPicPr>
+        <p:blipFill rotWithShape="1">
+          <a:blip r:embed="rId7">
+            <a:extLst>
+              <a:ext uri="{28A0092B-C50C-407E-A947-70E740481C1C}">
+                <a14:useLocalDpi xmlns:a14="http://schemas.microsoft.com/office/drawing/2010/main" val="0"/>
+              </a:ext>
+            </a:extLst>
+          </a:blip>
+          <a:srcRect r="5640"/>
+          <a:stretch/>
+        </p:blipFill>
+        <p:spPr>
+          <a:xfrm>
+            <a:off x="176125" y="4735734"/>
+            <a:ext cx="2542238" cy="864000"/>
+          </a:xfrm>
+          <a:prstGeom prst="rect">
+            <a:avLst/>
+          </a:prstGeom>
+        </p:spPr>
+      </p:pic>
+      <p:pic>
+        <p:nvPicPr>
+          <p:cNvPr id="17" name="그림 16" descr="개체, 시계, 플레이어이(가) 표시된 사진&#10;&#10;자동 생성된 설명">
+            <a:extLst>
+              <a:ext uri="{FF2B5EF4-FFF2-40B4-BE49-F238E27FC236}">
+                <a16:creationId xmlns:a16="http://schemas.microsoft.com/office/drawing/2014/main" id="{1131CF74-D8E7-41A9-84C2-5D6AA21FCC58}"/>
+              </a:ext>
+            </a:extLst>
+          </p:cNvPr>
+          <p:cNvPicPr>
+            <a:picLocks noChangeAspect="1"/>
+          </p:cNvPicPr>
+          <p:nvPr/>
+        </p:nvPicPr>
+        <p:blipFill rotWithShape="1">
+          <a:blip r:embed="rId8">
+            <a:extLst>
+              <a:ext uri="{28A0092B-C50C-407E-A947-70E740481C1C}">
+                <a14:useLocalDpi xmlns:a14="http://schemas.microsoft.com/office/drawing/2010/main" val="0"/>
+              </a:ext>
+            </a:extLst>
+          </a:blip>
+          <a:srcRect r="4730" b="1497"/>
+          <a:stretch/>
+        </p:blipFill>
+        <p:spPr>
+          <a:xfrm>
+            <a:off x="2929321" y="194530"/>
+            <a:ext cx="2627637" cy="864000"/>
+          </a:xfrm>
+          <a:prstGeom prst="rect">
+            <a:avLst/>
+          </a:prstGeom>
+        </p:spPr>
+      </p:pic>
+      <p:pic>
+        <p:nvPicPr>
+          <p:cNvPr id="19" name="그림 18" descr="개체, 시계이(가) 표시된 사진&#10;&#10;자동 생성된 설명">
+            <a:extLst>
+              <a:ext uri="{FF2B5EF4-FFF2-40B4-BE49-F238E27FC236}">
+                <a16:creationId xmlns:a16="http://schemas.microsoft.com/office/drawing/2014/main" id="{4826D27F-E35D-449D-BD19-D3ED1AF0183A}"/>
+              </a:ext>
+            </a:extLst>
+          </p:cNvPr>
+          <p:cNvPicPr>
+            <a:picLocks noChangeAspect="1"/>
+          </p:cNvPicPr>
+          <p:nvPr/>
+        </p:nvPicPr>
+        <p:blipFill rotWithShape="1">
+          <a:blip r:embed="rId9">
+            <a:extLst>
+              <a:ext uri="{28A0092B-C50C-407E-A947-70E740481C1C}">
+                <a14:useLocalDpi xmlns:a14="http://schemas.microsoft.com/office/drawing/2010/main" val="0"/>
+              </a:ext>
+            </a:extLst>
+          </a:blip>
+          <a:srcRect t="1" r="1882" b="437"/>
+          <a:stretch/>
+        </p:blipFill>
+        <p:spPr>
+          <a:xfrm>
+            <a:off x="2971118" y="1114404"/>
+            <a:ext cx="2627637" cy="864000"/>
+          </a:xfrm>
+          <a:prstGeom prst="rect">
+            <a:avLst/>
+          </a:prstGeom>
+        </p:spPr>
+      </p:pic>
+      <p:pic>
+        <p:nvPicPr>
+          <p:cNvPr id="21" name="그림 20" descr="개체, 시계이(가) 표시된 사진&#10;&#10;자동 생성된 설명">
+            <a:extLst>
+              <a:ext uri="{FF2B5EF4-FFF2-40B4-BE49-F238E27FC236}">
+                <a16:creationId xmlns:a16="http://schemas.microsoft.com/office/drawing/2014/main" id="{35C429A2-110C-4840-81A9-50AA90FC7EAF}"/>
+              </a:ext>
+            </a:extLst>
+          </p:cNvPr>
+          <p:cNvPicPr>
+            <a:picLocks noChangeAspect="1"/>
+          </p:cNvPicPr>
+          <p:nvPr/>
+        </p:nvPicPr>
+        <p:blipFill rotWithShape="1">
+          <a:blip r:embed="rId10">
+            <a:extLst>
+              <a:ext uri="{28A0092B-C50C-407E-A947-70E740481C1C}">
+                <a14:useLocalDpi xmlns:a14="http://schemas.microsoft.com/office/drawing/2010/main" val="0"/>
+              </a:ext>
+            </a:extLst>
+          </a:blip>
+          <a:srcRect l="-1" r="6445" b="6605"/>
+          <a:stretch/>
+        </p:blipFill>
+        <p:spPr>
+          <a:xfrm>
+            <a:off x="2967297" y="2056297"/>
+            <a:ext cx="2457591" cy="864000"/>
+          </a:xfrm>
+          <a:prstGeom prst="rect">
+            <a:avLst/>
+          </a:prstGeom>
+        </p:spPr>
+      </p:pic>
+      <p:pic>
+        <p:nvPicPr>
+          <p:cNvPr id="23" name="그림 22" descr="개체, 시계이(가) 표시된 사진&#10;&#10;자동 생성된 설명">
+            <a:extLst>
+              <a:ext uri="{FF2B5EF4-FFF2-40B4-BE49-F238E27FC236}">
+                <a16:creationId xmlns:a16="http://schemas.microsoft.com/office/drawing/2014/main" id="{3256A139-068B-44CC-8758-741C238C32B6}"/>
+              </a:ext>
+            </a:extLst>
+          </p:cNvPr>
+          <p:cNvPicPr>
+            <a:picLocks noChangeAspect="1"/>
+          </p:cNvPicPr>
+          <p:nvPr/>
+        </p:nvPicPr>
+        <p:blipFill rotWithShape="1">
+          <a:blip r:embed="rId11">
+            <a:extLst>
+              <a:ext uri="{28A0092B-C50C-407E-A947-70E740481C1C}">
+                <a14:useLocalDpi xmlns:a14="http://schemas.microsoft.com/office/drawing/2010/main" val="0"/>
+              </a:ext>
+            </a:extLst>
+          </a:blip>
+          <a:srcRect t="4804" r="6167"/>
+          <a:stretch/>
+        </p:blipFill>
+        <p:spPr>
+          <a:xfrm>
+            <a:off x="2967296" y="3059213"/>
+            <a:ext cx="2529608" cy="864000"/>
+          </a:xfrm>
+          <a:prstGeom prst="rect">
+            <a:avLst/>
+          </a:prstGeom>
+        </p:spPr>
+      </p:pic>
+      <p:pic>
+        <p:nvPicPr>
+          <p:cNvPr id="25" name="그림 24" descr="개체, 시계이(가) 표시된 사진&#10;&#10;자동 생성된 설명">
+            <a:extLst>
+              <a:ext uri="{FF2B5EF4-FFF2-40B4-BE49-F238E27FC236}">
+                <a16:creationId xmlns:a16="http://schemas.microsoft.com/office/drawing/2014/main" id="{D52A377A-ABAA-4AAE-B359-33C2EB6B772A}"/>
+              </a:ext>
+            </a:extLst>
+          </p:cNvPr>
+          <p:cNvPicPr>
+            <a:picLocks noChangeAspect="1"/>
+          </p:cNvPicPr>
+          <p:nvPr/>
+        </p:nvPicPr>
+        <p:blipFill rotWithShape="1">
+          <a:blip r:embed="rId12">
+            <a:extLst>
+              <a:ext uri="{28A0092B-C50C-407E-A947-70E740481C1C}">
+                <a14:useLocalDpi xmlns:a14="http://schemas.microsoft.com/office/drawing/2010/main" val="0"/>
+              </a:ext>
+            </a:extLst>
+          </a:blip>
+          <a:srcRect l="1" r="5536"/>
+          <a:stretch/>
+        </p:blipFill>
+        <p:spPr>
+          <a:xfrm>
+            <a:off x="2967296" y="4034961"/>
+            <a:ext cx="2481796" cy="864000"/>
+          </a:xfrm>
+          <a:prstGeom prst="rect">
+            <a:avLst/>
+          </a:prstGeom>
+        </p:spPr>
+      </p:pic>
+      <p:pic>
+        <p:nvPicPr>
+          <p:cNvPr id="27" name="그림 26" descr="개체, 시계이(가) 표시된 사진&#10;&#10;자동 생성된 설명">
+            <a:extLst>
+              <a:ext uri="{FF2B5EF4-FFF2-40B4-BE49-F238E27FC236}">
+                <a16:creationId xmlns:a16="http://schemas.microsoft.com/office/drawing/2014/main" id="{FE482B38-8F84-48E7-A73A-A7113B510DE9}"/>
+              </a:ext>
+            </a:extLst>
+          </p:cNvPr>
+          <p:cNvPicPr>
+            <a:picLocks noChangeAspect="1"/>
+          </p:cNvPicPr>
+          <p:nvPr/>
+        </p:nvPicPr>
+        <p:blipFill rotWithShape="1">
+          <a:blip r:embed="rId13">
+            <a:extLst>
+              <a:ext uri="{28A0092B-C50C-407E-A947-70E740481C1C}">
+                <a14:useLocalDpi xmlns:a14="http://schemas.microsoft.com/office/drawing/2010/main" val="0"/>
+              </a:ext>
+            </a:extLst>
+          </a:blip>
+          <a:srcRect l="1" r="7401"/>
+          <a:stretch/>
+        </p:blipFill>
+        <p:spPr>
+          <a:xfrm>
+            <a:off x="2967296" y="5025127"/>
+            <a:ext cx="2408080" cy="864000"/>
+          </a:xfrm>
+          <a:prstGeom prst="rect">
+            <a:avLst/>
+          </a:prstGeom>
+        </p:spPr>
+      </p:pic>
+      <p:pic>
+        <p:nvPicPr>
+          <p:cNvPr id="29" name="그림 28" descr="개체, 시계, 기차이(가) 표시된 사진&#10;&#10;자동 생성된 설명">
+            <a:extLst>
+              <a:ext uri="{FF2B5EF4-FFF2-40B4-BE49-F238E27FC236}">
+                <a16:creationId xmlns:a16="http://schemas.microsoft.com/office/drawing/2014/main" id="{07072E08-9531-4E93-838E-DC8548E868D3}"/>
+              </a:ext>
+            </a:extLst>
+          </p:cNvPr>
+          <p:cNvPicPr>
+            <a:picLocks noChangeAspect="1"/>
+          </p:cNvPicPr>
+          <p:nvPr/>
+        </p:nvPicPr>
+        <p:blipFill rotWithShape="1">
+          <a:blip r:embed="rId14">
+            <a:extLst>
+              <a:ext uri="{28A0092B-C50C-407E-A947-70E740481C1C}">
+                <a14:useLocalDpi xmlns:a14="http://schemas.microsoft.com/office/drawing/2010/main" val="0"/>
+              </a:ext>
+            </a:extLst>
+          </a:blip>
+          <a:srcRect r="3925"/>
+          <a:stretch/>
+        </p:blipFill>
+        <p:spPr>
+          <a:xfrm>
+            <a:off x="5757525" y="177183"/>
+            <a:ext cx="2408079" cy="864000"/>
+          </a:xfrm>
+          <a:prstGeom prst="rect">
+            <a:avLst/>
+          </a:prstGeom>
+        </p:spPr>
+      </p:pic>
+      <p:pic>
+        <p:nvPicPr>
+          <p:cNvPr id="31" name="그림 30" descr="개체, 시계이(가) 표시된 사진&#10;&#10;자동 생성된 설명">
+            <a:extLst>
+              <a:ext uri="{FF2B5EF4-FFF2-40B4-BE49-F238E27FC236}">
+                <a16:creationId xmlns:a16="http://schemas.microsoft.com/office/drawing/2014/main" id="{84F31CED-774D-4F1C-BD48-F4656CFF7DD3}"/>
+              </a:ext>
+            </a:extLst>
+          </p:cNvPr>
+          <p:cNvPicPr>
+            <a:picLocks noChangeAspect="1"/>
+          </p:cNvPicPr>
+          <p:nvPr/>
+        </p:nvPicPr>
+        <p:blipFill rotWithShape="1">
+          <a:blip r:embed="rId15">
+            <a:extLst>
+              <a:ext uri="{28A0092B-C50C-407E-A947-70E740481C1C}">
+                <a14:useLocalDpi xmlns:a14="http://schemas.microsoft.com/office/drawing/2010/main" val="0"/>
+              </a:ext>
+            </a:extLst>
+          </a:blip>
+          <a:srcRect r="6167"/>
+          <a:stretch/>
+        </p:blipFill>
+        <p:spPr>
+          <a:xfrm>
+            <a:off x="5759410" y="1218519"/>
+            <a:ext cx="2481795" cy="864000"/>
+          </a:xfrm>
+          <a:prstGeom prst="rect">
+            <a:avLst/>
+          </a:prstGeom>
+        </p:spPr>
+      </p:pic>
+      <p:pic>
+        <p:nvPicPr>
+          <p:cNvPr id="33" name="그림 32" descr="개체, 시계이(가) 표시된 사진&#10;&#10;자동 생성된 설명">
+            <a:extLst>
+              <a:ext uri="{FF2B5EF4-FFF2-40B4-BE49-F238E27FC236}">
+                <a16:creationId xmlns:a16="http://schemas.microsoft.com/office/drawing/2014/main" id="{40080916-8F83-4D62-9767-918A47B0F87E}"/>
+              </a:ext>
+            </a:extLst>
+          </p:cNvPr>
+          <p:cNvPicPr>
+            <a:picLocks noChangeAspect="1"/>
+          </p:cNvPicPr>
+          <p:nvPr/>
+        </p:nvPicPr>
+        <p:blipFill rotWithShape="1">
+          <a:blip r:embed="rId16">
+            <a:extLst>
+              <a:ext uri="{28A0092B-C50C-407E-A947-70E740481C1C}">
+                <a14:useLocalDpi xmlns:a14="http://schemas.microsoft.com/office/drawing/2010/main" val="0"/>
+              </a:ext>
+            </a:extLst>
+          </a:blip>
+          <a:srcRect r="4577"/>
+          <a:stretch/>
+        </p:blipFill>
+        <p:spPr>
+          <a:xfrm>
+            <a:off x="5759411" y="2218245"/>
+            <a:ext cx="2456728" cy="864000"/>
+          </a:xfrm>
+          <a:prstGeom prst="rect">
+            <a:avLst/>
+          </a:prstGeom>
+        </p:spPr>
+      </p:pic>
+      <p:pic>
+        <p:nvPicPr>
+          <p:cNvPr id="35" name="그림 34" descr="개체, 시계, 플레이어이(가) 표시된 사진&#10;&#10;자동 생성된 설명">
+            <a:extLst>
+              <a:ext uri="{FF2B5EF4-FFF2-40B4-BE49-F238E27FC236}">
+                <a16:creationId xmlns:a16="http://schemas.microsoft.com/office/drawing/2014/main" id="{22070E8A-54B2-4528-9A28-C5E8FB16C5C6}"/>
+              </a:ext>
+            </a:extLst>
+          </p:cNvPr>
+          <p:cNvPicPr>
+            <a:picLocks noChangeAspect="1"/>
+          </p:cNvPicPr>
+          <p:nvPr/>
+        </p:nvPicPr>
+        <p:blipFill rotWithShape="1">
+          <a:blip r:embed="rId17">
+            <a:extLst>
+              <a:ext uri="{28A0092B-C50C-407E-A947-70E740481C1C}">
+                <a14:useLocalDpi xmlns:a14="http://schemas.microsoft.com/office/drawing/2010/main" val="0"/>
+              </a:ext>
+            </a:extLst>
+          </a:blip>
+          <a:srcRect r="5536"/>
+          <a:stretch/>
+        </p:blipFill>
+        <p:spPr>
+          <a:xfrm>
+            <a:off x="5759409" y="3232217"/>
+            <a:ext cx="2533501" cy="864000"/>
+          </a:xfrm>
+          <a:prstGeom prst="rect">
+            <a:avLst/>
+          </a:prstGeom>
+        </p:spPr>
+      </p:pic>
+      <p:pic>
+        <p:nvPicPr>
+          <p:cNvPr id="36" name="그림 35" descr="개체, 시계이(가) 표시된 사진&#10;&#10;자동 생성된 설명">
+            <a:extLst>
+              <a:ext uri="{FF2B5EF4-FFF2-40B4-BE49-F238E27FC236}">
+                <a16:creationId xmlns:a16="http://schemas.microsoft.com/office/drawing/2014/main" id="{F96059B6-DE6A-4385-A00F-75D778CFA4E9}"/>
+              </a:ext>
+            </a:extLst>
+          </p:cNvPr>
+          <p:cNvPicPr>
+            <a:picLocks noChangeAspect="1"/>
+          </p:cNvPicPr>
+          <p:nvPr/>
+        </p:nvPicPr>
+        <p:blipFill rotWithShape="1">
+          <a:blip r:embed="rId2">
+            <a:extLst>
+              <a:ext uri="{28A0092B-C50C-407E-A947-70E740481C1C}">
+                <a14:useLocalDpi xmlns:a14="http://schemas.microsoft.com/office/drawing/2010/main" val="0"/>
+              </a:ext>
+            </a:extLst>
+          </a:blip>
+          <a:srcRect r="3093"/>
+          <a:stretch/>
+        </p:blipFill>
+        <p:spPr>
+          <a:xfrm>
+            <a:off x="5757526" y="4217614"/>
+            <a:ext cx="2619871" cy="864000"/>
+          </a:xfrm>
+          <a:prstGeom prst="rect">
+            <a:avLst/>
+          </a:prstGeom>
+        </p:spPr>
+      </p:pic>
+    </p:spTree>
+    <p:extLst>
+      <p:ext uri="{BB962C8B-B14F-4D97-AF65-F5344CB8AC3E}">
+        <p14:creationId xmlns:p14="http://schemas.microsoft.com/office/powerpoint/2010/main" val="1913219640"/>
+      </p:ext>
+    </p:extLst>
+  </p:cSld>
+  <p:clrMapOvr>
+    <a:masterClrMapping/>
+  </p:clrMapOvr>
+</p:sld>
+</file>
+
+<file path=ppt/slides/slide9.xml><?xml version="1.0" encoding="utf-8"?>
+<p:sld xmlns:a="http://schemas.openxmlformats.org/drawingml/2006/main" xmlns:r="http://schemas.openxmlformats.org/officeDocument/2006/relationships" xmlns:p="http://schemas.openxmlformats.org/presentationml/2006/main">
+  <p:cSld>
+    <p:spTree>
+      <p:nvGrpSpPr>
+        <p:cNvPr id="1" name=""/>
+        <p:cNvGrpSpPr/>
+        <p:nvPr/>
+      </p:nvGrpSpPr>
+      <p:grpSpPr>
+        <a:xfrm>
+          <a:off x="0" y="0"/>
+          <a:ext cx="0" cy="0"/>
+          <a:chOff x="0" y="0"/>
+          <a:chExt cx="0" cy="0"/>
+        </a:xfrm>
+      </p:grpSpPr>
+      <p:pic>
+        <p:nvPicPr>
+          <p:cNvPr id="91" name="그림 90" descr="키보드이(가) 표시된 사진&#10;&#10;자동 생성된 설명">
+            <a:extLst>
+              <a:ext uri="{FF2B5EF4-FFF2-40B4-BE49-F238E27FC236}">
+                <a16:creationId xmlns:a16="http://schemas.microsoft.com/office/drawing/2014/main" id="{321CD784-8FEB-4343-AA07-286F8555E9A8}"/>
+              </a:ext>
+            </a:extLst>
+          </p:cNvPr>
+          <p:cNvPicPr>
+            <a:picLocks noChangeAspect="1"/>
+          </p:cNvPicPr>
+          <p:nvPr/>
+        </p:nvPicPr>
         <p:blipFill>
-          <a:blip r:embed="rId4">
+          <a:blip r:embed="rId2">
             <a:extLst>
               <a:ext uri="{28A0092B-C50C-407E-A947-70E740481C1C}">
                 <a14:useLocalDpi xmlns:a14="http://schemas.microsoft.com/office/drawing/2010/main" val="0"/>
@@ -10361,8 +10917,8 @@
         </p:blipFill>
         <p:spPr>
           <a:xfrm>
-            <a:off x="171363" y="2084873"/>
-            <a:ext cx="2686050" cy="885825"/>
+            <a:off x="6660001" y="4806341"/>
+            <a:ext cx="1542556" cy="1079789"/>
           </a:xfrm>
           <a:prstGeom prst="rect">
             <a:avLst/>
@@ -10371,10 +10927,10 @@
       </p:pic>
       <p:pic>
         <p:nvPicPr>
-          <p:cNvPr id="11" name="그림 10" descr="개체, 시계이(가) 표시된 사진&#10;&#10;자동 생성된 설명">
-            <a:extLst>
-              <a:ext uri="{FF2B5EF4-FFF2-40B4-BE49-F238E27FC236}">
-                <a16:creationId xmlns:a16="http://schemas.microsoft.com/office/drawing/2014/main" id="{20B24145-48FF-45BE-B2DB-AE58F5517FC3}"/>
+          <p:cNvPr id="105" name="그림 104" descr="키보드이(가) 표시된 사진&#10;&#10;자동 생성된 설명">
+            <a:extLst>
+              <a:ext uri="{FF2B5EF4-FFF2-40B4-BE49-F238E27FC236}">
+                <a16:creationId xmlns:a16="http://schemas.microsoft.com/office/drawing/2014/main" id="{00BC4F3C-4C6B-4CDC-9EEE-F4F7C3AFBE06}"/>
               </a:ext>
             </a:extLst>
           </p:cNvPr>
@@ -10383,21 +10939,22 @@
           </p:cNvPicPr>
           <p:nvPr/>
         </p:nvPicPr>
-        <p:blipFill rotWithShape="1">
-          <a:blip r:embed="rId5">
+        <p:blipFill>
+          <a:blip r:embed="rId3">
             <a:extLst>
               <a:ext uri="{28A0092B-C50C-407E-A947-70E740481C1C}">
                 <a14:useLocalDpi xmlns:a14="http://schemas.microsoft.com/office/drawing/2010/main" val="0"/>
               </a:ext>
             </a:extLst>
           </a:blip>
-          <a:srcRect r="2931"/>
-          <a:stretch/>
+          <a:stretch>
+            <a:fillRect/>
+          </a:stretch>
         </p:blipFill>
         <p:spPr>
           <a:xfrm>
-            <a:off x="176125" y="3014075"/>
-            <a:ext cx="2681288" cy="904875"/>
+            <a:off x="124541" y="116379"/>
+            <a:ext cx="1542556" cy="1079789"/>
           </a:xfrm>
           <a:prstGeom prst="rect">
             <a:avLst/>
@@ -10406,10 +10963,10 @@
       </p:pic>
       <p:pic>
         <p:nvPicPr>
-          <p:cNvPr id="13" name="그림 12" descr="개체, 시계이(가) 표시된 사진&#10;&#10;자동 생성된 설명">
-            <a:extLst>
-              <a:ext uri="{FF2B5EF4-FFF2-40B4-BE49-F238E27FC236}">
-                <a16:creationId xmlns:a16="http://schemas.microsoft.com/office/drawing/2014/main" id="{6EDB8946-758A-4E62-8D3E-17AEF7EB9C21}"/>
+          <p:cNvPr id="107" name="그림 106" descr="키보드이(가) 표시된 사진&#10;&#10;자동 생성된 설명">
+            <a:extLst>
+              <a:ext uri="{FF2B5EF4-FFF2-40B4-BE49-F238E27FC236}">
+                <a16:creationId xmlns:a16="http://schemas.microsoft.com/office/drawing/2014/main" id="{1BA61D3C-1DB2-4510-B0A4-8998CD9D789B}"/>
               </a:ext>
             </a:extLst>
           </p:cNvPr>
@@ -10418,21 +10975,22 @@
           </p:cNvPicPr>
           <p:nvPr/>
         </p:nvPicPr>
-        <p:blipFill rotWithShape="1">
-          <a:blip r:embed="rId6">
+        <p:blipFill>
+          <a:blip r:embed="rId4">
             <a:extLst>
               <a:ext uri="{28A0092B-C50C-407E-A947-70E740481C1C}">
                 <a14:useLocalDpi xmlns:a14="http://schemas.microsoft.com/office/drawing/2010/main" val="0"/>
               </a:ext>
             </a:extLst>
           </a:blip>
-          <a:srcRect r="2931"/>
-          <a:stretch/>
+          <a:stretch>
+            <a:fillRect/>
+          </a:stretch>
         </p:blipFill>
         <p:spPr>
           <a:xfrm>
-            <a:off x="176125" y="3965583"/>
-            <a:ext cx="2681288" cy="885825"/>
+            <a:off x="124541" y="1287909"/>
+            <a:ext cx="1542556" cy="1079789"/>
           </a:xfrm>
           <a:prstGeom prst="rect">
             <a:avLst/>
@@ -10441,10 +10999,10 @@
       </p:pic>
       <p:pic>
         <p:nvPicPr>
-          <p:cNvPr id="15" name="그림 14" descr="개체, 시계이(가) 표시된 사진&#10;&#10;자동 생성된 설명">
-            <a:extLst>
-              <a:ext uri="{FF2B5EF4-FFF2-40B4-BE49-F238E27FC236}">
-                <a16:creationId xmlns:a16="http://schemas.microsoft.com/office/drawing/2014/main" id="{8880E892-DC19-49F5-B66C-084BD63C7C68}"/>
+          <p:cNvPr id="109" name="그림 108" descr="키보드이(가) 표시된 사진&#10;&#10;자동 생성된 설명">
+            <a:extLst>
+              <a:ext uri="{FF2B5EF4-FFF2-40B4-BE49-F238E27FC236}">
+                <a16:creationId xmlns:a16="http://schemas.microsoft.com/office/drawing/2014/main" id="{54B8373C-E835-4F35-80AD-4E671A1AE13A}"/>
               </a:ext>
             </a:extLst>
           </p:cNvPr>
@@ -10453,21 +11011,22 @@
           </p:cNvPicPr>
           <p:nvPr/>
         </p:nvPicPr>
-        <p:blipFill rotWithShape="1">
-          <a:blip r:embed="rId7">
+        <p:blipFill>
+          <a:blip r:embed="rId5">
             <a:extLst>
               <a:ext uri="{28A0092B-C50C-407E-A947-70E740481C1C}">
                 <a14:useLocalDpi xmlns:a14="http://schemas.microsoft.com/office/drawing/2010/main" val="0"/>
               </a:ext>
             </a:extLst>
           </a:blip>
-          <a:srcRect r="2931"/>
-          <a:stretch/>
+          <a:stretch>
+            <a:fillRect/>
+          </a:stretch>
         </p:blipFill>
         <p:spPr>
           <a:xfrm>
-            <a:off x="176125" y="4896514"/>
-            <a:ext cx="2681288" cy="885825"/>
+            <a:off x="120685" y="2464817"/>
+            <a:ext cx="1550268" cy="1079789"/>
           </a:xfrm>
           <a:prstGeom prst="rect">
             <a:avLst/>
@@ -10476,10 +11035,10 @@
       </p:pic>
       <p:pic>
         <p:nvPicPr>
-          <p:cNvPr id="17" name="그림 16" descr="개체, 시계, 플레이어이(가) 표시된 사진&#10;&#10;자동 생성된 설명">
-            <a:extLst>
-              <a:ext uri="{FF2B5EF4-FFF2-40B4-BE49-F238E27FC236}">
-                <a16:creationId xmlns:a16="http://schemas.microsoft.com/office/drawing/2014/main" id="{1131CF74-D8E7-41A9-84C2-5D6AA21FCC58}"/>
+          <p:cNvPr id="111" name="그림 110" descr="키보드이(가) 표시된 사진&#10;&#10;자동 생성된 설명">
+            <a:extLst>
+              <a:ext uri="{FF2B5EF4-FFF2-40B4-BE49-F238E27FC236}">
+                <a16:creationId xmlns:a16="http://schemas.microsoft.com/office/drawing/2014/main" id="{AD09ECAB-6021-4A96-A448-5E8E04622C90}"/>
               </a:ext>
             </a:extLst>
           </p:cNvPr>
@@ -10488,21 +11047,22 @@
           </p:cNvPicPr>
           <p:nvPr/>
         </p:nvPicPr>
-        <p:blipFill rotWithShape="1">
-          <a:blip r:embed="rId8">
+        <p:blipFill>
+          <a:blip r:embed="rId6">
             <a:extLst>
               <a:ext uri="{28A0092B-C50C-407E-A947-70E740481C1C}">
                 <a14:useLocalDpi xmlns:a14="http://schemas.microsoft.com/office/drawing/2010/main" val="0"/>
               </a:ext>
             </a:extLst>
           </a:blip>
-          <a:srcRect r="4730" b="1497"/>
-          <a:stretch/>
+          <a:stretch>
+            <a:fillRect/>
+          </a:stretch>
         </p:blipFill>
         <p:spPr>
           <a:xfrm>
-            <a:off x="2967296" y="181906"/>
-            <a:ext cx="2686050" cy="872558"/>
+            <a:off x="124541" y="3630982"/>
+            <a:ext cx="1542556" cy="1079789"/>
           </a:xfrm>
           <a:prstGeom prst="rect">
             <a:avLst/>
@@ -10511,10 +11071,10 @@
       </p:pic>
       <p:pic>
         <p:nvPicPr>
-          <p:cNvPr id="19" name="그림 18" descr="개체, 시계이(가) 표시된 사진&#10;&#10;자동 생성된 설명">
-            <a:extLst>
-              <a:ext uri="{FF2B5EF4-FFF2-40B4-BE49-F238E27FC236}">
-                <a16:creationId xmlns:a16="http://schemas.microsoft.com/office/drawing/2014/main" id="{4826D27F-E35D-449D-BD19-D3ED1AF0183A}"/>
+          <p:cNvPr id="128" name="그림 127" descr="키보드이(가) 표시된 사진&#10;&#10;자동 생성된 설명">
+            <a:extLst>
+              <a:ext uri="{FF2B5EF4-FFF2-40B4-BE49-F238E27FC236}">
+                <a16:creationId xmlns:a16="http://schemas.microsoft.com/office/drawing/2014/main" id="{F6588A93-1A92-4689-B4A3-310701A1CDE1}"/>
               </a:ext>
             </a:extLst>
           </p:cNvPr>
@@ -10523,21 +11083,22 @@
           </p:cNvPicPr>
           <p:nvPr/>
         </p:nvPicPr>
-        <p:blipFill rotWithShape="1">
-          <a:blip r:embed="rId9">
+        <p:blipFill>
+          <a:blip r:embed="rId7">
             <a:extLst>
               <a:ext uri="{28A0092B-C50C-407E-A947-70E740481C1C}">
                 <a14:useLocalDpi xmlns:a14="http://schemas.microsoft.com/office/drawing/2010/main" val="0"/>
               </a:ext>
             </a:extLst>
           </a:blip>
-          <a:srcRect t="1" r="1882" b="437"/>
-          <a:stretch/>
+          <a:stretch>
+            <a:fillRect/>
+          </a:stretch>
         </p:blipFill>
         <p:spPr>
           <a:xfrm>
-            <a:off x="2971117" y="1114404"/>
-            <a:ext cx="2682230" cy="881951"/>
+            <a:off x="3392271" y="2472440"/>
+            <a:ext cx="1542556" cy="1079789"/>
           </a:xfrm>
           <a:prstGeom prst="rect">
             <a:avLst/>
@@ -10546,10 +11107,10 @@
       </p:pic>
       <p:pic>
         <p:nvPicPr>
-          <p:cNvPr id="21" name="그림 20" descr="개체, 시계이(가) 표시된 사진&#10;&#10;자동 생성된 설명">
-            <a:extLst>
-              <a:ext uri="{FF2B5EF4-FFF2-40B4-BE49-F238E27FC236}">
-                <a16:creationId xmlns:a16="http://schemas.microsoft.com/office/drawing/2014/main" id="{35C429A2-110C-4840-81A9-50AA90FC7EAF}"/>
+          <p:cNvPr id="129" name="그림 128" descr="키보드, 여자, 빨간색이(가) 표시된 사진&#10;&#10;자동 생성된 설명">
+            <a:extLst>
+              <a:ext uri="{FF2B5EF4-FFF2-40B4-BE49-F238E27FC236}">
+                <a16:creationId xmlns:a16="http://schemas.microsoft.com/office/drawing/2014/main" id="{A35A0768-59F6-48ED-B730-27D4B4C55104}"/>
               </a:ext>
             </a:extLst>
           </p:cNvPr>
@@ -10558,21 +11119,22 @@
           </p:cNvPicPr>
           <p:nvPr/>
         </p:nvPicPr>
-        <p:blipFill rotWithShape="1">
-          <a:blip r:embed="rId10">
+        <p:blipFill>
+          <a:blip r:embed="rId8">
             <a:extLst>
               <a:ext uri="{28A0092B-C50C-407E-A947-70E740481C1C}">
                 <a14:useLocalDpi xmlns:a14="http://schemas.microsoft.com/office/drawing/2010/main" val="0"/>
               </a:ext>
             </a:extLst>
           </a:blip>
-          <a:srcRect l="-1" r="6445" b="6605"/>
-          <a:stretch/>
+          <a:stretch>
+            <a:fillRect/>
+          </a:stretch>
         </p:blipFill>
         <p:spPr>
           <a:xfrm>
-            <a:off x="2967296" y="2056297"/>
-            <a:ext cx="2682230" cy="942975"/>
+            <a:off x="3392271" y="3630981"/>
+            <a:ext cx="1542556" cy="1079789"/>
           </a:xfrm>
           <a:prstGeom prst="rect">
             <a:avLst/>
@@ -10581,10 +11143,10 @@
       </p:pic>
       <p:pic>
         <p:nvPicPr>
-          <p:cNvPr id="23" name="그림 22" descr="개체, 시계이(가) 표시된 사진&#10;&#10;자동 생성된 설명">
-            <a:extLst>
-              <a:ext uri="{FF2B5EF4-FFF2-40B4-BE49-F238E27FC236}">
-                <a16:creationId xmlns:a16="http://schemas.microsoft.com/office/drawing/2014/main" id="{3256A139-068B-44CC-8758-741C238C32B6}"/>
+          <p:cNvPr id="130" name="그림 129" descr="키보드이(가) 표시된 사진&#10;&#10;자동 생성된 설명">
+            <a:extLst>
+              <a:ext uri="{FF2B5EF4-FFF2-40B4-BE49-F238E27FC236}">
+                <a16:creationId xmlns:a16="http://schemas.microsoft.com/office/drawing/2014/main" id="{83C28FD1-94E8-4AD9-ABD1-BC022101405D}"/>
               </a:ext>
             </a:extLst>
           </p:cNvPr>
@@ -10593,21 +11155,22 @@
           </p:cNvPicPr>
           <p:nvPr/>
         </p:nvPicPr>
-        <p:blipFill rotWithShape="1">
-          <a:blip r:embed="rId11">
+        <p:blipFill>
+          <a:blip r:embed="rId9">
             <a:extLst>
               <a:ext uri="{28A0092B-C50C-407E-A947-70E740481C1C}">
                 <a14:useLocalDpi xmlns:a14="http://schemas.microsoft.com/office/drawing/2010/main" val="0"/>
               </a:ext>
             </a:extLst>
           </a:blip>
-          <a:srcRect t="4804" r="6167"/>
-          <a:stretch/>
+          <a:stretch>
+            <a:fillRect/>
+          </a:stretch>
         </p:blipFill>
         <p:spPr>
           <a:xfrm>
-            <a:off x="2967296" y="3059213"/>
-            <a:ext cx="2681288" cy="915807"/>
+            <a:off x="3392271" y="4806341"/>
+            <a:ext cx="1542556" cy="1079789"/>
           </a:xfrm>
           <a:prstGeom prst="rect">
             <a:avLst/>
@@ -10616,10 +11179,10 @@
       </p:pic>
       <p:pic>
         <p:nvPicPr>
-          <p:cNvPr id="25" name="그림 24" descr="개체, 시계이(가) 표시된 사진&#10;&#10;자동 생성된 설명">
-            <a:extLst>
-              <a:ext uri="{FF2B5EF4-FFF2-40B4-BE49-F238E27FC236}">
-                <a16:creationId xmlns:a16="http://schemas.microsoft.com/office/drawing/2014/main" id="{D52A377A-ABAA-4AAE-B359-33C2EB6B772A}"/>
+          <p:cNvPr id="131" name="그림 130" descr="키보드이(가) 표시된 사진&#10;&#10;자동 생성된 설명">
+            <a:extLst>
+              <a:ext uri="{FF2B5EF4-FFF2-40B4-BE49-F238E27FC236}">
+                <a16:creationId xmlns:a16="http://schemas.microsoft.com/office/drawing/2014/main" id="{60D5926D-5633-4123-87B2-6D72C4444648}"/>
               </a:ext>
             </a:extLst>
           </p:cNvPr>
@@ -10628,21 +11191,22 @@
           </p:cNvPicPr>
           <p:nvPr/>
         </p:nvPicPr>
-        <p:blipFill rotWithShape="1">
-          <a:blip r:embed="rId12">
+        <p:blipFill>
+          <a:blip r:embed="rId10">
             <a:extLst>
               <a:ext uri="{28A0092B-C50C-407E-A947-70E740481C1C}">
                 <a14:useLocalDpi xmlns:a14="http://schemas.microsoft.com/office/drawing/2010/main" val="0"/>
               </a:ext>
             </a:extLst>
           </a:blip>
-          <a:srcRect l="1" r="5536"/>
-          <a:stretch/>
+          <a:stretch>
+            <a:fillRect/>
+          </a:stretch>
         </p:blipFill>
         <p:spPr>
           <a:xfrm>
-            <a:off x="2967296" y="4034961"/>
-            <a:ext cx="2681288" cy="933450"/>
+            <a:off x="5026136" y="116377"/>
+            <a:ext cx="1542556" cy="1079789"/>
           </a:xfrm>
           <a:prstGeom prst="rect">
             <a:avLst/>
@@ -10651,10 +11215,10 @@
       </p:pic>
       <p:pic>
         <p:nvPicPr>
-          <p:cNvPr id="27" name="그림 26" descr="개체, 시계이(가) 표시된 사진&#10;&#10;자동 생성된 설명">
-            <a:extLst>
-              <a:ext uri="{FF2B5EF4-FFF2-40B4-BE49-F238E27FC236}">
-                <a16:creationId xmlns:a16="http://schemas.microsoft.com/office/drawing/2014/main" id="{FE482B38-8F84-48E7-A73A-A7113B510DE9}"/>
+          <p:cNvPr id="132" name="그림 131" descr="키보드이(가) 표시된 사진&#10;&#10;자동 생성된 설명">
+            <a:extLst>
+              <a:ext uri="{FF2B5EF4-FFF2-40B4-BE49-F238E27FC236}">
+                <a16:creationId xmlns:a16="http://schemas.microsoft.com/office/drawing/2014/main" id="{44F08EEC-0BA7-4162-A3EF-B290E4BD9B90}"/>
               </a:ext>
             </a:extLst>
           </p:cNvPr>
@@ -10663,21 +11227,22 @@
           </p:cNvPicPr>
           <p:nvPr/>
         </p:nvPicPr>
-        <p:blipFill rotWithShape="1">
-          <a:blip r:embed="rId13">
+        <p:blipFill>
+          <a:blip r:embed="rId11">
             <a:extLst>
               <a:ext uri="{28A0092B-C50C-407E-A947-70E740481C1C}">
                 <a14:useLocalDpi xmlns:a14="http://schemas.microsoft.com/office/drawing/2010/main" val="0"/>
               </a:ext>
             </a:extLst>
           </a:blip>
-          <a:srcRect l="1" r="7401"/>
-          <a:stretch/>
+          <a:stretch>
+            <a:fillRect/>
+          </a:stretch>
         </p:blipFill>
         <p:spPr>
           <a:xfrm>
-            <a:off x="2967296" y="5025127"/>
-            <a:ext cx="2681288" cy="962025"/>
+            <a:off x="5026136" y="1287907"/>
+            <a:ext cx="1542556" cy="1079789"/>
           </a:xfrm>
           <a:prstGeom prst="rect">
             <a:avLst/>
@@ -10686,10 +11251,10 @@
       </p:pic>
       <p:pic>
         <p:nvPicPr>
-          <p:cNvPr id="29" name="그림 28" descr="개체, 시계, 기차이(가) 표시된 사진&#10;&#10;자동 생성된 설명">
-            <a:extLst>
-              <a:ext uri="{FF2B5EF4-FFF2-40B4-BE49-F238E27FC236}">
-                <a16:creationId xmlns:a16="http://schemas.microsoft.com/office/drawing/2014/main" id="{07072E08-9531-4E93-838E-DC8548E868D3}"/>
+          <p:cNvPr id="133" name="그림 132" descr="키보드이(가) 표시된 사진&#10;&#10;자동 생성된 설명">
+            <a:extLst>
+              <a:ext uri="{FF2B5EF4-FFF2-40B4-BE49-F238E27FC236}">
+                <a16:creationId xmlns:a16="http://schemas.microsoft.com/office/drawing/2014/main" id="{8971D6DF-0CD2-41BB-8B95-B7E49B63295C}"/>
               </a:ext>
             </a:extLst>
           </p:cNvPr>
@@ -10698,21 +11263,22 @@
           </p:cNvPicPr>
           <p:nvPr/>
         </p:nvPicPr>
-        <p:blipFill rotWithShape="1">
-          <a:blip r:embed="rId14">
+        <p:blipFill>
+          <a:blip r:embed="rId12">
             <a:extLst>
               <a:ext uri="{28A0092B-C50C-407E-A947-70E740481C1C}">
                 <a14:useLocalDpi xmlns:a14="http://schemas.microsoft.com/office/drawing/2010/main" val="0"/>
               </a:ext>
             </a:extLst>
           </a:blip>
-          <a:srcRect r="3925"/>
-          <a:stretch/>
+          <a:stretch>
+            <a:fillRect/>
+          </a:stretch>
         </p:blipFill>
         <p:spPr>
           <a:xfrm>
-            <a:off x="5757525" y="177184"/>
-            <a:ext cx="2681287" cy="962025"/>
+            <a:off x="5026136" y="2472440"/>
+            <a:ext cx="1542556" cy="1079789"/>
           </a:xfrm>
           <a:prstGeom prst="rect">
             <a:avLst/>
@@ -10721,10 +11287,10 @@
       </p:pic>
       <p:pic>
         <p:nvPicPr>
-          <p:cNvPr id="31" name="그림 30" descr="개체, 시계이(가) 표시된 사진&#10;&#10;자동 생성된 설명">
-            <a:extLst>
-              <a:ext uri="{FF2B5EF4-FFF2-40B4-BE49-F238E27FC236}">
-                <a16:creationId xmlns:a16="http://schemas.microsoft.com/office/drawing/2014/main" id="{84F31CED-774D-4F1C-BD48-F4656CFF7DD3}"/>
+          <p:cNvPr id="134" name="그림 133" descr="키보드이(가) 표시된 사진&#10;&#10;자동 생성된 설명">
+            <a:extLst>
+              <a:ext uri="{FF2B5EF4-FFF2-40B4-BE49-F238E27FC236}">
+                <a16:creationId xmlns:a16="http://schemas.microsoft.com/office/drawing/2014/main" id="{D6BC970A-B973-4F76-AA4D-85419E1C1037}"/>
               </a:ext>
             </a:extLst>
           </p:cNvPr>
@@ -10733,21 +11299,22 @@
           </p:cNvPicPr>
           <p:nvPr/>
         </p:nvPicPr>
-        <p:blipFill rotWithShape="1">
-          <a:blip r:embed="rId15">
+        <p:blipFill>
+          <a:blip r:embed="rId13">
             <a:extLst>
               <a:ext uri="{28A0092B-C50C-407E-A947-70E740481C1C}">
                 <a14:useLocalDpi xmlns:a14="http://schemas.microsoft.com/office/drawing/2010/main" val="0"/>
               </a:ext>
             </a:extLst>
           </a:blip>
-          <a:srcRect r="6167"/>
-          <a:stretch/>
+          <a:stretch>
+            <a:fillRect/>
+          </a:stretch>
         </p:blipFill>
         <p:spPr>
           <a:xfrm>
-            <a:off x="5759410" y="1218519"/>
-            <a:ext cx="2681287" cy="933450"/>
+            <a:off x="5026136" y="3630981"/>
+            <a:ext cx="1542556" cy="1079789"/>
           </a:xfrm>
           <a:prstGeom prst="rect">
             <a:avLst/>
@@ -10756,10 +11323,10 @@
       </p:pic>
       <p:pic>
         <p:nvPicPr>
-          <p:cNvPr id="33" name="그림 32" descr="개체, 시계이(가) 표시된 사진&#10;&#10;자동 생성된 설명">
-            <a:extLst>
-              <a:ext uri="{FF2B5EF4-FFF2-40B4-BE49-F238E27FC236}">
-                <a16:creationId xmlns:a16="http://schemas.microsoft.com/office/drawing/2014/main" id="{40080916-8F83-4D62-9767-918A47B0F87E}"/>
+          <p:cNvPr id="135" name="그림 134" descr="키보드이(가) 표시된 사진&#10;&#10;자동 생성된 설명">
+            <a:extLst>
+              <a:ext uri="{FF2B5EF4-FFF2-40B4-BE49-F238E27FC236}">
+                <a16:creationId xmlns:a16="http://schemas.microsoft.com/office/drawing/2014/main" id="{9A78ED5D-0E34-45FB-BC0D-65855EB58D13}"/>
               </a:ext>
             </a:extLst>
           </p:cNvPr>
@@ -10768,21 +11335,22 @@
           </p:cNvPicPr>
           <p:nvPr/>
         </p:nvPicPr>
-        <p:blipFill rotWithShape="1">
-          <a:blip r:embed="rId16">
+        <p:blipFill>
+          <a:blip r:embed="rId14">
             <a:extLst>
               <a:ext uri="{28A0092B-C50C-407E-A947-70E740481C1C}">
                 <a14:useLocalDpi xmlns:a14="http://schemas.microsoft.com/office/drawing/2010/main" val="0"/>
               </a:ext>
             </a:extLst>
           </a:blip>
-          <a:srcRect r="4577"/>
-          <a:stretch/>
+          <a:stretch>
+            <a:fillRect/>
+          </a:stretch>
         </p:blipFill>
         <p:spPr>
           <a:xfrm>
-            <a:off x="5759411" y="2218245"/>
-            <a:ext cx="2681288" cy="942975"/>
+            <a:off x="5026136" y="4806341"/>
+            <a:ext cx="1542556" cy="1079789"/>
           </a:xfrm>
           <a:prstGeom prst="rect">
             <a:avLst/>
@@ -10791,10 +11359,10 @@
       </p:pic>
       <p:pic>
         <p:nvPicPr>
-          <p:cNvPr id="35" name="그림 34" descr="개체, 시계, 플레이어이(가) 표시된 사진&#10;&#10;자동 생성된 설명">
-            <a:extLst>
-              <a:ext uri="{FF2B5EF4-FFF2-40B4-BE49-F238E27FC236}">
-                <a16:creationId xmlns:a16="http://schemas.microsoft.com/office/drawing/2014/main" id="{22070E8A-54B2-4528-9A28-C5E8FB16C5C6}"/>
+          <p:cNvPr id="136" name="그림 135" descr="키보드이(가) 표시된 사진&#10;&#10;자동 생성된 설명">
+            <a:extLst>
+              <a:ext uri="{FF2B5EF4-FFF2-40B4-BE49-F238E27FC236}">
+                <a16:creationId xmlns:a16="http://schemas.microsoft.com/office/drawing/2014/main" id="{BE298949-D754-4AEC-AF1B-0C90C0B82FF7}"/>
               </a:ext>
             </a:extLst>
           </p:cNvPr>
@@ -10803,21 +11371,22 @@
           </p:cNvPicPr>
           <p:nvPr/>
         </p:nvPicPr>
-        <p:blipFill rotWithShape="1">
-          <a:blip r:embed="rId17">
+        <p:blipFill>
+          <a:blip r:embed="rId15">
             <a:extLst>
               <a:ext uri="{28A0092B-C50C-407E-A947-70E740481C1C}">
                 <a14:useLocalDpi xmlns:a14="http://schemas.microsoft.com/office/drawing/2010/main" val="0"/>
               </a:ext>
             </a:extLst>
           </a:blip>
-          <a:srcRect r="5536"/>
-          <a:stretch/>
+          <a:stretch>
+            <a:fillRect/>
+          </a:stretch>
         </p:blipFill>
         <p:spPr>
           <a:xfrm>
-            <a:off x="5759409" y="3232217"/>
-            <a:ext cx="2681289" cy="914400"/>
+            <a:off x="6660001" y="116376"/>
+            <a:ext cx="1542556" cy="1079789"/>
           </a:xfrm>
           <a:prstGeom prst="rect">
             <a:avLst/>
@@ -10826,10 +11395,10 @@
       </p:pic>
       <p:pic>
         <p:nvPicPr>
-          <p:cNvPr id="36" name="그림 35" descr="개체, 시계이(가) 표시된 사진&#10;&#10;자동 생성된 설명">
-            <a:extLst>
-              <a:ext uri="{FF2B5EF4-FFF2-40B4-BE49-F238E27FC236}">
-                <a16:creationId xmlns:a16="http://schemas.microsoft.com/office/drawing/2014/main" id="{F96059B6-DE6A-4385-A00F-75D778CFA4E9}"/>
+          <p:cNvPr id="137" name="그림 136" descr="키보드이(가) 표시된 사진&#10;&#10;자동 생성된 설명">
+            <a:extLst>
+              <a:ext uri="{FF2B5EF4-FFF2-40B4-BE49-F238E27FC236}">
+                <a16:creationId xmlns:a16="http://schemas.microsoft.com/office/drawing/2014/main" id="{625A8969-3C80-4CE2-991A-F71ABD7C119E}"/>
               </a:ext>
             </a:extLst>
           </p:cNvPr>
@@ -10838,21 +11407,562 @@
           </p:cNvPicPr>
           <p:nvPr/>
         </p:nvPicPr>
-        <p:blipFill rotWithShape="1">
-          <a:blip r:embed="rId2">
+        <p:blipFill>
+          <a:blip r:embed="rId16">
             <a:extLst>
               <a:ext uri="{28A0092B-C50C-407E-A947-70E740481C1C}">
                 <a14:useLocalDpi xmlns:a14="http://schemas.microsoft.com/office/drawing/2010/main" val="0"/>
               </a:ext>
             </a:extLst>
           </a:blip>
-          <a:srcRect r="3093"/>
-          <a:stretch/>
+          <a:stretch>
+            <a:fillRect/>
+          </a:stretch>
         </p:blipFill>
         <p:spPr>
           <a:xfrm>
-            <a:off x="5757525" y="4217614"/>
-            <a:ext cx="2686050" cy="885825"/>
+            <a:off x="6660001" y="1287906"/>
+            <a:ext cx="1542556" cy="1079789"/>
+          </a:xfrm>
+          <a:prstGeom prst="rect">
+            <a:avLst/>
+          </a:prstGeom>
+        </p:spPr>
+      </p:pic>
+      <p:pic>
+        <p:nvPicPr>
+          <p:cNvPr id="138" name="그림 137" descr="키보드이(가) 표시된 사진&#10;&#10;자동 생성된 설명">
+            <a:extLst>
+              <a:ext uri="{FF2B5EF4-FFF2-40B4-BE49-F238E27FC236}">
+                <a16:creationId xmlns:a16="http://schemas.microsoft.com/office/drawing/2014/main" id="{397F3B9F-94A6-4F7E-9461-AA82FDE8FC19}"/>
+              </a:ext>
+            </a:extLst>
+          </p:cNvPr>
+          <p:cNvPicPr>
+            <a:picLocks noChangeAspect="1"/>
+          </p:cNvPicPr>
+          <p:nvPr/>
+        </p:nvPicPr>
+        <p:blipFill>
+          <a:blip r:embed="rId17">
+            <a:extLst>
+              <a:ext uri="{28A0092B-C50C-407E-A947-70E740481C1C}">
+                <a14:useLocalDpi xmlns:a14="http://schemas.microsoft.com/office/drawing/2010/main" val="0"/>
+              </a:ext>
+            </a:extLst>
+          </a:blip>
+          <a:stretch>
+            <a:fillRect/>
+          </a:stretch>
+        </p:blipFill>
+        <p:spPr>
+          <a:xfrm>
+            <a:off x="6660001" y="2472440"/>
+            <a:ext cx="1542556" cy="1079789"/>
+          </a:xfrm>
+          <a:prstGeom prst="rect">
+            <a:avLst/>
+          </a:prstGeom>
+        </p:spPr>
+      </p:pic>
+      <p:pic>
+        <p:nvPicPr>
+          <p:cNvPr id="139" name="그림 138" descr="키보드이(가) 표시된 사진&#10;&#10;자동 생성된 설명">
+            <a:extLst>
+              <a:ext uri="{FF2B5EF4-FFF2-40B4-BE49-F238E27FC236}">
+                <a16:creationId xmlns:a16="http://schemas.microsoft.com/office/drawing/2014/main" id="{E5E7C6BD-AC27-4FA0-895B-346BFEA64512}"/>
+              </a:ext>
+            </a:extLst>
+          </p:cNvPr>
+          <p:cNvPicPr>
+            <a:picLocks noChangeAspect="1"/>
+          </p:cNvPicPr>
+          <p:nvPr/>
+        </p:nvPicPr>
+        <p:blipFill>
+          <a:blip r:embed="rId18">
+            <a:extLst>
+              <a:ext uri="{28A0092B-C50C-407E-A947-70E740481C1C}">
+                <a14:useLocalDpi xmlns:a14="http://schemas.microsoft.com/office/drawing/2010/main" val="0"/>
+              </a:ext>
+            </a:extLst>
+          </a:blip>
+          <a:stretch>
+            <a:fillRect/>
+          </a:stretch>
+        </p:blipFill>
+        <p:spPr>
+          <a:xfrm>
+            <a:off x="6660001" y="3630981"/>
+            <a:ext cx="1542556" cy="1079789"/>
+          </a:xfrm>
+          <a:prstGeom prst="rect">
+            <a:avLst/>
+          </a:prstGeom>
+        </p:spPr>
+      </p:pic>
+      <p:pic>
+        <p:nvPicPr>
+          <p:cNvPr id="140" name="그림 139" descr="키보드이(가) 표시된 사진&#10;&#10;자동 생성된 설명">
+            <a:extLst>
+              <a:ext uri="{FF2B5EF4-FFF2-40B4-BE49-F238E27FC236}">
+                <a16:creationId xmlns:a16="http://schemas.microsoft.com/office/drawing/2014/main" id="{14CB467E-CD6E-4277-BA72-050CD593908B}"/>
+              </a:ext>
+            </a:extLst>
+          </p:cNvPr>
+          <p:cNvPicPr>
+            <a:picLocks noChangeAspect="1"/>
+          </p:cNvPicPr>
+          <p:nvPr/>
+        </p:nvPicPr>
+        <p:blipFill>
+          <a:blip r:embed="rId19">
+            <a:extLst>
+              <a:ext uri="{28A0092B-C50C-407E-A947-70E740481C1C}">
+                <a14:useLocalDpi xmlns:a14="http://schemas.microsoft.com/office/drawing/2010/main" val="0"/>
+              </a:ext>
+            </a:extLst>
+          </a:blip>
+          <a:stretch>
+            <a:fillRect/>
+          </a:stretch>
+        </p:blipFill>
+        <p:spPr>
+          <a:xfrm>
+            <a:off x="8293866" y="116375"/>
+            <a:ext cx="1542556" cy="1079789"/>
+          </a:xfrm>
+          <a:prstGeom prst="rect">
+            <a:avLst/>
+          </a:prstGeom>
+        </p:spPr>
+      </p:pic>
+      <p:pic>
+        <p:nvPicPr>
+          <p:cNvPr id="141" name="그림 140" descr="여자, 키보드이(가) 표시된 사진&#10;&#10;자동 생성된 설명">
+            <a:extLst>
+              <a:ext uri="{FF2B5EF4-FFF2-40B4-BE49-F238E27FC236}">
+                <a16:creationId xmlns:a16="http://schemas.microsoft.com/office/drawing/2014/main" id="{2CE61ED8-7C39-43F3-A462-717FEFA1D52E}"/>
+              </a:ext>
+            </a:extLst>
+          </p:cNvPr>
+          <p:cNvPicPr>
+            <a:picLocks noChangeAspect="1"/>
+          </p:cNvPicPr>
+          <p:nvPr/>
+        </p:nvPicPr>
+        <p:blipFill>
+          <a:blip r:embed="rId20">
+            <a:extLst>
+              <a:ext uri="{28A0092B-C50C-407E-A947-70E740481C1C}">
+                <a14:useLocalDpi xmlns:a14="http://schemas.microsoft.com/office/drawing/2010/main" val="0"/>
+              </a:ext>
+            </a:extLst>
+          </a:blip>
+          <a:stretch>
+            <a:fillRect/>
+          </a:stretch>
+        </p:blipFill>
+        <p:spPr>
+          <a:xfrm>
+            <a:off x="8293866" y="1287906"/>
+            <a:ext cx="1542556" cy="1079789"/>
+          </a:xfrm>
+          <a:prstGeom prst="rect">
+            <a:avLst/>
+          </a:prstGeom>
+        </p:spPr>
+      </p:pic>
+      <p:pic>
+        <p:nvPicPr>
+          <p:cNvPr id="142" name="그림 141" descr="키보드이(가) 표시된 사진&#10;&#10;자동 생성된 설명">
+            <a:extLst>
+              <a:ext uri="{FF2B5EF4-FFF2-40B4-BE49-F238E27FC236}">
+                <a16:creationId xmlns:a16="http://schemas.microsoft.com/office/drawing/2014/main" id="{A899253C-3EBD-4605-A23F-EA658B6F22C8}"/>
+              </a:ext>
+            </a:extLst>
+          </p:cNvPr>
+          <p:cNvPicPr>
+            <a:picLocks noChangeAspect="1"/>
+          </p:cNvPicPr>
+          <p:nvPr/>
+        </p:nvPicPr>
+        <p:blipFill>
+          <a:blip r:embed="rId21">
+            <a:extLst>
+              <a:ext uri="{28A0092B-C50C-407E-A947-70E740481C1C}">
+                <a14:useLocalDpi xmlns:a14="http://schemas.microsoft.com/office/drawing/2010/main" val="0"/>
+              </a:ext>
+            </a:extLst>
+          </a:blip>
+          <a:stretch>
+            <a:fillRect/>
+          </a:stretch>
+        </p:blipFill>
+        <p:spPr>
+          <a:xfrm>
+            <a:off x="8293866" y="2472440"/>
+            <a:ext cx="1542556" cy="1079789"/>
+          </a:xfrm>
+          <a:prstGeom prst="rect">
+            <a:avLst/>
+          </a:prstGeom>
+        </p:spPr>
+      </p:pic>
+      <p:pic>
+        <p:nvPicPr>
+          <p:cNvPr id="145" name="그림 144" descr="키보드이(가) 표시된 사진&#10;&#10;자동 생성된 설명">
+            <a:extLst>
+              <a:ext uri="{FF2B5EF4-FFF2-40B4-BE49-F238E27FC236}">
+                <a16:creationId xmlns:a16="http://schemas.microsoft.com/office/drawing/2014/main" id="{6C081C15-3109-4FE4-BDC9-6F7D7B6E8EA2}"/>
+              </a:ext>
+            </a:extLst>
+          </p:cNvPr>
+          <p:cNvPicPr>
+            <a:picLocks noChangeAspect="1"/>
+          </p:cNvPicPr>
+          <p:nvPr/>
+        </p:nvPicPr>
+        <p:blipFill>
+          <a:blip r:embed="rId22">
+            <a:extLst>
+              <a:ext uri="{28A0092B-C50C-407E-A947-70E740481C1C}">
+                <a14:useLocalDpi xmlns:a14="http://schemas.microsoft.com/office/drawing/2010/main" val="0"/>
+              </a:ext>
+            </a:extLst>
+          </a:blip>
+          <a:stretch>
+            <a:fillRect/>
+          </a:stretch>
+        </p:blipFill>
+        <p:spPr>
+          <a:xfrm>
+            <a:off x="124541" y="4806341"/>
+            <a:ext cx="1542556" cy="1079789"/>
+          </a:xfrm>
+          <a:prstGeom prst="rect">
+            <a:avLst/>
+          </a:prstGeom>
+        </p:spPr>
+      </p:pic>
+      <p:pic>
+        <p:nvPicPr>
+          <p:cNvPr id="146" name="그림 145" descr="키보드이(가) 표시된 사진&#10;&#10;자동 생성된 설명">
+            <a:extLst>
+              <a:ext uri="{FF2B5EF4-FFF2-40B4-BE49-F238E27FC236}">
+                <a16:creationId xmlns:a16="http://schemas.microsoft.com/office/drawing/2014/main" id="{BDECAFED-F2FA-4631-B259-BD1C948E509F}"/>
+              </a:ext>
+            </a:extLst>
+          </p:cNvPr>
+          <p:cNvPicPr>
+            <a:picLocks noChangeAspect="1"/>
+          </p:cNvPicPr>
+          <p:nvPr/>
+        </p:nvPicPr>
+        <p:blipFill>
+          <a:blip r:embed="rId23">
+            <a:extLst>
+              <a:ext uri="{28A0092B-C50C-407E-A947-70E740481C1C}">
+                <a14:useLocalDpi xmlns:a14="http://schemas.microsoft.com/office/drawing/2010/main" val="0"/>
+              </a:ext>
+            </a:extLst>
+          </a:blip>
+          <a:stretch>
+            <a:fillRect/>
+          </a:stretch>
+        </p:blipFill>
+        <p:spPr>
+          <a:xfrm>
+            <a:off x="1758406" y="116378"/>
+            <a:ext cx="1542556" cy="1079789"/>
+          </a:xfrm>
+          <a:prstGeom prst="rect">
+            <a:avLst/>
+          </a:prstGeom>
+        </p:spPr>
+      </p:pic>
+      <p:pic>
+        <p:nvPicPr>
+          <p:cNvPr id="147" name="그림 146" descr="키보드이(가) 표시된 사진&#10;&#10;자동 생성된 설명">
+            <a:extLst>
+              <a:ext uri="{FF2B5EF4-FFF2-40B4-BE49-F238E27FC236}">
+                <a16:creationId xmlns:a16="http://schemas.microsoft.com/office/drawing/2014/main" id="{332458B7-71BF-467C-B192-E1093CDC677D}"/>
+              </a:ext>
+            </a:extLst>
+          </p:cNvPr>
+          <p:cNvPicPr>
+            <a:picLocks noChangeAspect="1"/>
+          </p:cNvPicPr>
+          <p:nvPr/>
+        </p:nvPicPr>
+        <p:blipFill>
+          <a:blip r:embed="rId24">
+            <a:extLst>
+              <a:ext uri="{28A0092B-C50C-407E-A947-70E740481C1C}">
+                <a14:useLocalDpi xmlns:a14="http://schemas.microsoft.com/office/drawing/2010/main" val="0"/>
+              </a:ext>
+            </a:extLst>
+          </a:blip>
+          <a:stretch>
+            <a:fillRect/>
+          </a:stretch>
+        </p:blipFill>
+        <p:spPr>
+          <a:xfrm>
+            <a:off x="1758406" y="1287909"/>
+            <a:ext cx="1542556" cy="1079789"/>
+          </a:xfrm>
+          <a:prstGeom prst="rect">
+            <a:avLst/>
+          </a:prstGeom>
+        </p:spPr>
+      </p:pic>
+      <p:pic>
+        <p:nvPicPr>
+          <p:cNvPr id="148" name="그림 147" descr="여자, 빨간색, 남자, 키보드이(가) 표시된 사진&#10;&#10;자동 생성된 설명">
+            <a:extLst>
+              <a:ext uri="{FF2B5EF4-FFF2-40B4-BE49-F238E27FC236}">
+                <a16:creationId xmlns:a16="http://schemas.microsoft.com/office/drawing/2014/main" id="{AEAD3162-C548-4930-838B-4F5C27FCF2F9}"/>
+              </a:ext>
+            </a:extLst>
+          </p:cNvPr>
+          <p:cNvPicPr>
+            <a:picLocks noChangeAspect="1"/>
+          </p:cNvPicPr>
+          <p:nvPr/>
+        </p:nvPicPr>
+        <p:blipFill>
+          <a:blip r:embed="rId25">
+            <a:extLst>
+              <a:ext uri="{28A0092B-C50C-407E-A947-70E740481C1C}">
+                <a14:useLocalDpi xmlns:a14="http://schemas.microsoft.com/office/drawing/2010/main" val="0"/>
+              </a:ext>
+            </a:extLst>
+          </a:blip>
+          <a:stretch>
+            <a:fillRect/>
+          </a:stretch>
+        </p:blipFill>
+        <p:spPr>
+          <a:xfrm>
+            <a:off x="1758406" y="2464817"/>
+            <a:ext cx="1542556" cy="1079789"/>
+          </a:xfrm>
+          <a:prstGeom prst="rect">
+            <a:avLst/>
+          </a:prstGeom>
+        </p:spPr>
+      </p:pic>
+      <p:pic>
+        <p:nvPicPr>
+          <p:cNvPr id="149" name="그림 148" descr="빨간색, 키보드, 여자, 남자이(가) 표시된 사진&#10;&#10;자동 생성된 설명">
+            <a:extLst>
+              <a:ext uri="{FF2B5EF4-FFF2-40B4-BE49-F238E27FC236}">
+                <a16:creationId xmlns:a16="http://schemas.microsoft.com/office/drawing/2014/main" id="{196C6963-E177-4BB7-8BBD-D44F8973008D}"/>
+              </a:ext>
+            </a:extLst>
+          </p:cNvPr>
+          <p:cNvPicPr>
+            <a:picLocks noChangeAspect="1"/>
+          </p:cNvPicPr>
+          <p:nvPr/>
+        </p:nvPicPr>
+        <p:blipFill>
+          <a:blip r:embed="rId26">
+            <a:extLst>
+              <a:ext uri="{28A0092B-C50C-407E-A947-70E740481C1C}">
+                <a14:useLocalDpi xmlns:a14="http://schemas.microsoft.com/office/drawing/2010/main" val="0"/>
+              </a:ext>
+            </a:extLst>
+          </a:blip>
+          <a:stretch>
+            <a:fillRect/>
+          </a:stretch>
+        </p:blipFill>
+        <p:spPr>
+          <a:xfrm>
+            <a:off x="1758406" y="3630981"/>
+            <a:ext cx="1542556" cy="1079789"/>
+          </a:xfrm>
+          <a:prstGeom prst="rect">
+            <a:avLst/>
+          </a:prstGeom>
+        </p:spPr>
+      </p:pic>
+      <p:pic>
+        <p:nvPicPr>
+          <p:cNvPr id="150" name="그림 149" descr="빨간색, 키보드, 손, 여자이(가) 표시된 사진&#10;&#10;자동 생성된 설명">
+            <a:extLst>
+              <a:ext uri="{FF2B5EF4-FFF2-40B4-BE49-F238E27FC236}">
+                <a16:creationId xmlns:a16="http://schemas.microsoft.com/office/drawing/2014/main" id="{3B254D6D-3CD7-4424-8DFA-9F6BF980FEE2}"/>
+              </a:ext>
+            </a:extLst>
+          </p:cNvPr>
+          <p:cNvPicPr>
+            <a:picLocks noChangeAspect="1"/>
+          </p:cNvPicPr>
+          <p:nvPr/>
+        </p:nvPicPr>
+        <p:blipFill>
+          <a:blip r:embed="rId27">
+            <a:extLst>
+              <a:ext uri="{28A0092B-C50C-407E-A947-70E740481C1C}">
+                <a14:useLocalDpi xmlns:a14="http://schemas.microsoft.com/office/drawing/2010/main" val="0"/>
+              </a:ext>
+            </a:extLst>
+          </a:blip>
+          <a:stretch>
+            <a:fillRect/>
+          </a:stretch>
+        </p:blipFill>
+        <p:spPr>
+          <a:xfrm>
+            <a:off x="1758406" y="4806341"/>
+            <a:ext cx="1542556" cy="1079789"/>
+          </a:xfrm>
+          <a:prstGeom prst="rect">
+            <a:avLst/>
+          </a:prstGeom>
+        </p:spPr>
+      </p:pic>
+      <p:pic>
+        <p:nvPicPr>
+          <p:cNvPr id="151" name="그림 150" descr="키보드이(가) 표시된 사진&#10;&#10;자동 생성된 설명">
+            <a:extLst>
+              <a:ext uri="{FF2B5EF4-FFF2-40B4-BE49-F238E27FC236}">
+                <a16:creationId xmlns:a16="http://schemas.microsoft.com/office/drawing/2014/main" id="{1ADFFB73-CA66-402E-ACDD-275D9D3B1A00}"/>
+              </a:ext>
+            </a:extLst>
+          </p:cNvPr>
+          <p:cNvPicPr>
+            <a:picLocks noChangeAspect="1"/>
+          </p:cNvPicPr>
+          <p:nvPr/>
+        </p:nvPicPr>
+        <p:blipFill>
+          <a:blip r:embed="rId28">
+            <a:extLst>
+              <a:ext uri="{28A0092B-C50C-407E-A947-70E740481C1C}">
+                <a14:useLocalDpi xmlns:a14="http://schemas.microsoft.com/office/drawing/2010/main" val="0"/>
+              </a:ext>
+            </a:extLst>
+          </a:blip>
+          <a:stretch>
+            <a:fillRect/>
+          </a:stretch>
+        </p:blipFill>
+        <p:spPr>
+          <a:xfrm>
+            <a:off x="3392271" y="116377"/>
+            <a:ext cx="1542556" cy="1079789"/>
+          </a:xfrm>
+          <a:prstGeom prst="rect">
+            <a:avLst/>
+          </a:prstGeom>
+        </p:spPr>
+      </p:pic>
+      <p:pic>
+        <p:nvPicPr>
+          <p:cNvPr id="152" name="그림 151" descr="키보드이(가) 표시된 사진&#10;&#10;자동 생성된 설명">
+            <a:extLst>
+              <a:ext uri="{FF2B5EF4-FFF2-40B4-BE49-F238E27FC236}">
+                <a16:creationId xmlns:a16="http://schemas.microsoft.com/office/drawing/2014/main" id="{6694976B-1FA0-4530-811F-6EDB2C24049B}"/>
+              </a:ext>
+            </a:extLst>
+          </p:cNvPr>
+          <p:cNvPicPr>
+            <a:picLocks noChangeAspect="1"/>
+          </p:cNvPicPr>
+          <p:nvPr/>
+        </p:nvPicPr>
+        <p:blipFill>
+          <a:blip r:embed="rId29">
+            <a:extLst>
+              <a:ext uri="{28A0092B-C50C-407E-A947-70E740481C1C}">
+                <a14:useLocalDpi xmlns:a14="http://schemas.microsoft.com/office/drawing/2010/main" val="0"/>
+              </a:ext>
+            </a:extLst>
+          </a:blip>
+          <a:stretch>
+            <a:fillRect/>
+          </a:stretch>
+        </p:blipFill>
+        <p:spPr>
+          <a:xfrm>
+            <a:off x="3392271" y="1287908"/>
+            <a:ext cx="1542556" cy="1079789"/>
+          </a:xfrm>
+          <a:prstGeom prst="rect">
+            <a:avLst/>
+          </a:prstGeom>
+        </p:spPr>
+      </p:pic>
+      <p:pic>
+        <p:nvPicPr>
+          <p:cNvPr id="154" name="그림 153" descr="키보드, 여자, 빨간색, 전화이(가) 표시된 사진&#10;&#10;자동 생성된 설명">
+            <a:extLst>
+              <a:ext uri="{FF2B5EF4-FFF2-40B4-BE49-F238E27FC236}">
+                <a16:creationId xmlns:a16="http://schemas.microsoft.com/office/drawing/2014/main" id="{3518D56D-07C7-4092-BCB6-9EBA91AE718D}"/>
+              </a:ext>
+            </a:extLst>
+          </p:cNvPr>
+          <p:cNvPicPr>
+            <a:picLocks noChangeAspect="1"/>
+          </p:cNvPicPr>
+          <p:nvPr/>
+        </p:nvPicPr>
+        <p:blipFill>
+          <a:blip r:embed="rId30">
+            <a:extLst>
+              <a:ext uri="{28A0092B-C50C-407E-A947-70E740481C1C}">
+                <a14:useLocalDpi xmlns:a14="http://schemas.microsoft.com/office/drawing/2010/main" val="0"/>
+              </a:ext>
+            </a:extLst>
+          </a:blip>
+          <a:stretch>
+            <a:fillRect/>
+          </a:stretch>
+        </p:blipFill>
+        <p:spPr>
+          <a:xfrm>
+            <a:off x="8293565" y="4809359"/>
+            <a:ext cx="1542857" cy="1080000"/>
+          </a:xfrm>
+          <a:prstGeom prst="rect">
+            <a:avLst/>
+          </a:prstGeom>
+        </p:spPr>
+      </p:pic>
+      <p:pic>
+        <p:nvPicPr>
+          <p:cNvPr id="156" name="그림 155" descr="키보드, 여자, 빨간색, 전화이(가) 표시된 사진&#10;&#10;자동 생성된 설명">
+            <a:extLst>
+              <a:ext uri="{FF2B5EF4-FFF2-40B4-BE49-F238E27FC236}">
+                <a16:creationId xmlns:a16="http://schemas.microsoft.com/office/drawing/2014/main" id="{923ABA30-DB90-40C7-8786-04D4A341E710}"/>
+              </a:ext>
+            </a:extLst>
+          </p:cNvPr>
+          <p:cNvPicPr>
+            <a:picLocks noChangeAspect="1"/>
+          </p:cNvPicPr>
+          <p:nvPr/>
+        </p:nvPicPr>
+        <p:blipFill>
+          <a:blip r:embed="rId31">
+            <a:extLst>
+              <a:ext uri="{28A0092B-C50C-407E-A947-70E740481C1C}">
+                <a14:useLocalDpi xmlns:a14="http://schemas.microsoft.com/office/drawing/2010/main" val="0"/>
+              </a:ext>
+            </a:extLst>
+          </a:blip>
+          <a:stretch>
+            <a:fillRect/>
+          </a:stretch>
+        </p:blipFill>
+        <p:spPr>
+          <a:xfrm>
+            <a:off x="8293866" y="3630981"/>
+            <a:ext cx="1542857" cy="1080000"/>
           </a:xfrm>
           <a:prstGeom prst="rect">
             <a:avLst/>
@@ -10862,7 +11972,7 @@
     </p:spTree>
     <p:extLst>
       <p:ext uri="{BB962C8B-B14F-4D97-AF65-F5344CB8AC3E}">
-        <p14:creationId xmlns:p14="http://schemas.microsoft.com/office/powerpoint/2010/main" val="1913219640"/>
+        <p14:creationId xmlns:p14="http://schemas.microsoft.com/office/powerpoint/2010/main" val="208343980"/>
       </p:ext>
     </p:extLst>
   </p:cSld>

--- a/snapshots/임베디드.pptx
+++ b/snapshots/임베디드.pptx
@@ -10266,10 +10266,10 @@
       </p:grpSpPr>
       <p:pic>
         <p:nvPicPr>
-          <p:cNvPr id="5" name="그림 4" descr="개체, 시계이(가) 표시된 사진&#10;&#10;자동 생성된 설명">
-            <a:extLst>
-              <a:ext uri="{FF2B5EF4-FFF2-40B4-BE49-F238E27FC236}">
-                <a16:creationId xmlns:a16="http://schemas.microsoft.com/office/drawing/2014/main" id="{B553F86E-B341-4581-9E8B-9305CE815F13}"/>
+          <p:cNvPr id="3" name="그림 2" descr="개체, 시계이(가) 표시된 사진&#10;&#10;자동 생성된 설명">
+            <a:extLst>
+              <a:ext uri="{FF2B5EF4-FFF2-40B4-BE49-F238E27FC236}">
+                <a16:creationId xmlns:a16="http://schemas.microsoft.com/office/drawing/2014/main" id="{4BBDE4C0-DE26-46FA-A5AB-F2D59A659412}"/>
               </a:ext>
             </a:extLst>
           </p:cNvPr>
@@ -10278,7 +10278,7 @@
           </p:cNvPicPr>
           <p:nvPr/>
         </p:nvPicPr>
-        <p:blipFill rotWithShape="1">
+        <p:blipFill>
           <a:blip r:embed="rId2">
             <a:extLst>
               <a:ext uri="{28A0092B-C50C-407E-A947-70E740481C1C}">
@@ -10286,13 +10286,14 @@
               </a:ext>
             </a:extLst>
           </a:blip>
-          <a:srcRect r="5788"/>
-          <a:stretch/>
+          <a:stretch>
+            <a:fillRect/>
+          </a:stretch>
         </p:blipFill>
         <p:spPr>
           <a:xfrm>
-            <a:off x="171366" y="187924"/>
-            <a:ext cx="2546998" cy="864000"/>
+            <a:off x="202576" y="212602"/>
+            <a:ext cx="2857500" cy="952500"/>
           </a:xfrm>
           <a:prstGeom prst="rect">
             <a:avLst/>
@@ -10301,10 +10302,10 @@
       </p:pic>
       <p:pic>
         <p:nvPicPr>
-          <p:cNvPr id="7" name="그림 6" descr="개체, 시계, 플레이어이(가) 표시된 사진&#10;&#10;자동 생성된 설명">
-            <a:extLst>
-              <a:ext uri="{FF2B5EF4-FFF2-40B4-BE49-F238E27FC236}">
-                <a16:creationId xmlns:a16="http://schemas.microsoft.com/office/drawing/2014/main" id="{8E04F096-83A1-4691-801C-51A611E83B44}"/>
+          <p:cNvPr id="6" name="그림 5" descr="개체, 시계이(가) 표시된 사진&#10;&#10;자동 생성된 설명">
+            <a:extLst>
+              <a:ext uri="{FF2B5EF4-FFF2-40B4-BE49-F238E27FC236}">
+                <a16:creationId xmlns:a16="http://schemas.microsoft.com/office/drawing/2014/main" id="{CCDA3C30-B6D6-4149-A8E8-796DB4A5C068}"/>
               </a:ext>
             </a:extLst>
           </p:cNvPr>
@@ -10313,7 +10314,7 @@
           </p:cNvPicPr>
           <p:nvPr/>
         </p:nvPicPr>
-        <p:blipFill rotWithShape="1">
+        <p:blipFill>
           <a:blip r:embed="rId3">
             <a:extLst>
               <a:ext uri="{28A0092B-C50C-407E-A947-70E740481C1C}">
@@ -10321,13 +10322,14 @@
               </a:ext>
             </a:extLst>
           </a:blip>
-          <a:srcRect l="1" r="-355"/>
-          <a:stretch/>
+          <a:stretch>
+            <a:fillRect/>
+          </a:stretch>
         </p:blipFill>
         <p:spPr>
           <a:xfrm>
-            <a:off x="171363" y="1097486"/>
-            <a:ext cx="2547000" cy="864000"/>
+            <a:off x="202576" y="1230134"/>
+            <a:ext cx="2857500" cy="952500"/>
           </a:xfrm>
           <a:prstGeom prst="rect">
             <a:avLst/>
@@ -10336,10 +10338,10 @@
       </p:pic>
       <p:pic>
         <p:nvPicPr>
-          <p:cNvPr id="9" name="그림 8" descr="개체, 시계이(가) 표시된 사진&#10;&#10;자동 생성된 설명">
-            <a:extLst>
-              <a:ext uri="{FF2B5EF4-FFF2-40B4-BE49-F238E27FC236}">
-                <a16:creationId xmlns:a16="http://schemas.microsoft.com/office/drawing/2014/main" id="{A612BB09-8D6F-437E-9EE8-BCBC6075785F}"/>
+          <p:cNvPr id="10" name="그림 9" descr="개체, 시계이(가) 표시된 사진&#10;&#10;자동 생성된 설명">
+            <a:extLst>
+              <a:ext uri="{FF2B5EF4-FFF2-40B4-BE49-F238E27FC236}">
+                <a16:creationId xmlns:a16="http://schemas.microsoft.com/office/drawing/2014/main" id="{36B53470-4C57-48C5-8AC4-F6347B971027}"/>
               </a:ext>
             </a:extLst>
           </p:cNvPr>
@@ -10348,7 +10350,7 @@
           </p:cNvPicPr>
           <p:nvPr/>
         </p:nvPicPr>
-        <p:blipFill rotWithShape="1">
+        <p:blipFill>
           <a:blip r:embed="rId4">
             <a:extLst>
               <a:ext uri="{28A0092B-C50C-407E-A947-70E740481C1C}">
@@ -10356,13 +10358,14 @@
               </a:ext>
             </a:extLst>
           </a:blip>
-          <a:srcRect r="2782"/>
-          <a:stretch/>
+          <a:stretch>
+            <a:fillRect/>
+          </a:stretch>
         </p:blipFill>
         <p:spPr>
           <a:xfrm>
-            <a:off x="171364" y="2007049"/>
-            <a:ext cx="2520000" cy="854841"/>
+            <a:off x="202576" y="2247666"/>
+            <a:ext cx="2857500" cy="952500"/>
           </a:xfrm>
           <a:prstGeom prst="rect">
             <a:avLst/>
@@ -10371,19 +10374,19 @@
       </p:pic>
       <p:pic>
         <p:nvPicPr>
-          <p:cNvPr id="11" name="그림 10" descr="개체, 시계이(가) 표시된 사진&#10;&#10;자동 생성된 설명">
-            <a:extLst>
-              <a:ext uri="{FF2B5EF4-FFF2-40B4-BE49-F238E27FC236}">
-                <a16:creationId xmlns:a16="http://schemas.microsoft.com/office/drawing/2014/main" id="{20B24145-48FF-45BE-B2DB-AE58F5517FC3}"/>
+          <p:cNvPr id="14" name="그림 13" descr="개체, 시계, 플레이어, 법원이(가) 표시된 사진&#10;&#10;자동 생성된 설명">
+            <a:extLst>
+              <a:ext uri="{FF2B5EF4-FFF2-40B4-BE49-F238E27FC236}">
+                <a16:creationId xmlns:a16="http://schemas.microsoft.com/office/drawing/2014/main" id="{38B3FFC2-FF15-435D-ABE8-C0EED3A4E0F8}"/>
               </a:ext>
             </a:extLst>
           </p:cNvPr>
           <p:cNvPicPr>
-            <a:picLocks/>
+            <a:picLocks noChangeAspect="1"/>
           </p:cNvPicPr>
           <p:nvPr/>
         </p:nvPicPr>
-        <p:blipFill rotWithShape="1">
+        <p:blipFill>
           <a:blip r:embed="rId5">
             <a:extLst>
               <a:ext uri="{28A0092B-C50C-407E-A947-70E740481C1C}">
@@ -10391,13 +10394,14 @@
               </a:ext>
             </a:extLst>
           </a:blip>
-          <a:srcRect r="-705"/>
-          <a:stretch/>
+          <a:stretch>
+            <a:fillRect/>
+          </a:stretch>
         </p:blipFill>
         <p:spPr>
           <a:xfrm>
-            <a:off x="176125" y="2916610"/>
-            <a:ext cx="2520000" cy="864000"/>
+            <a:off x="202576" y="3265198"/>
+            <a:ext cx="2857500" cy="952500"/>
           </a:xfrm>
           <a:prstGeom prst="rect">
             <a:avLst/>
@@ -10406,10 +10410,10 @@
       </p:pic>
       <p:pic>
         <p:nvPicPr>
-          <p:cNvPr id="13" name="그림 12" descr="개체, 시계이(가) 표시된 사진&#10;&#10;자동 생성된 설명">
-            <a:extLst>
-              <a:ext uri="{FF2B5EF4-FFF2-40B4-BE49-F238E27FC236}">
-                <a16:creationId xmlns:a16="http://schemas.microsoft.com/office/drawing/2014/main" id="{6EDB8946-758A-4E62-8D3E-17AEF7EB9C21}"/>
+          <p:cNvPr id="18" name="그림 17" descr="개체, 시계이(가) 표시된 사진&#10;&#10;자동 생성된 설명">
+            <a:extLst>
+              <a:ext uri="{FF2B5EF4-FFF2-40B4-BE49-F238E27FC236}">
+                <a16:creationId xmlns:a16="http://schemas.microsoft.com/office/drawing/2014/main" id="{79BDE859-F574-4BD0-9C8D-A75910D59FE2}"/>
               </a:ext>
             </a:extLst>
           </p:cNvPr>
@@ -10418,7 +10422,7 @@
           </p:cNvPicPr>
           <p:nvPr/>
         </p:nvPicPr>
-        <p:blipFill rotWithShape="1">
+        <p:blipFill>
           <a:blip r:embed="rId6">
             <a:extLst>
               <a:ext uri="{28A0092B-C50C-407E-A947-70E740481C1C}">
@@ -10426,13 +10430,14 @@
               </a:ext>
             </a:extLst>
           </a:blip>
-          <a:srcRect r="5640"/>
-          <a:stretch/>
+          <a:stretch>
+            <a:fillRect/>
+          </a:stretch>
         </p:blipFill>
         <p:spPr>
           <a:xfrm>
-            <a:off x="176125" y="3826172"/>
-            <a:ext cx="2542238" cy="864000"/>
+            <a:off x="202576" y="4282730"/>
+            <a:ext cx="2857500" cy="952500"/>
           </a:xfrm>
           <a:prstGeom prst="rect">
             <a:avLst/>
@@ -10441,10 +10446,10 @@
       </p:pic>
       <p:pic>
         <p:nvPicPr>
-          <p:cNvPr id="15" name="그림 14" descr="개체, 시계이(가) 표시된 사진&#10;&#10;자동 생성된 설명">
-            <a:extLst>
-              <a:ext uri="{FF2B5EF4-FFF2-40B4-BE49-F238E27FC236}">
-                <a16:creationId xmlns:a16="http://schemas.microsoft.com/office/drawing/2014/main" id="{8880E892-DC19-49F5-B66C-084BD63C7C68}"/>
+          <p:cNvPr id="22" name="그림 21" descr="개체, 시계, 플레이어이(가) 표시된 사진&#10;&#10;자동 생성된 설명">
+            <a:extLst>
+              <a:ext uri="{FF2B5EF4-FFF2-40B4-BE49-F238E27FC236}">
+                <a16:creationId xmlns:a16="http://schemas.microsoft.com/office/drawing/2014/main" id="{2FCB7BB8-25D9-4881-A5FA-91338DFF2252}"/>
               </a:ext>
             </a:extLst>
           </p:cNvPr>
@@ -10453,7 +10458,7 @@
           </p:cNvPicPr>
           <p:nvPr/>
         </p:nvPicPr>
-        <p:blipFill rotWithShape="1">
+        <p:blipFill>
           <a:blip r:embed="rId7">
             <a:extLst>
               <a:ext uri="{28A0092B-C50C-407E-A947-70E740481C1C}">
@@ -10461,13 +10466,14 @@
               </a:ext>
             </a:extLst>
           </a:blip>
-          <a:srcRect r="5640"/>
-          <a:stretch/>
+          <a:stretch>
+            <a:fillRect/>
+          </a:stretch>
         </p:blipFill>
         <p:spPr>
           <a:xfrm>
-            <a:off x="176125" y="4735734"/>
-            <a:ext cx="2542238" cy="864000"/>
+            <a:off x="202576" y="5300262"/>
+            <a:ext cx="2857500" cy="952500"/>
           </a:xfrm>
           <a:prstGeom prst="rect">
             <a:avLst/>
@@ -10476,10 +10482,10 @@
       </p:pic>
       <p:pic>
         <p:nvPicPr>
-          <p:cNvPr id="17" name="그림 16" descr="개체, 시계, 플레이어이(가) 표시된 사진&#10;&#10;자동 생성된 설명">
-            <a:extLst>
-              <a:ext uri="{FF2B5EF4-FFF2-40B4-BE49-F238E27FC236}">
-                <a16:creationId xmlns:a16="http://schemas.microsoft.com/office/drawing/2014/main" id="{1131CF74-D8E7-41A9-84C2-5D6AA21FCC58}"/>
+          <p:cNvPr id="26" name="그림 25" descr="개체, 시계, 플레이어, 빨간색이(가) 표시된 사진&#10;&#10;자동 생성된 설명">
+            <a:extLst>
+              <a:ext uri="{FF2B5EF4-FFF2-40B4-BE49-F238E27FC236}">
+                <a16:creationId xmlns:a16="http://schemas.microsoft.com/office/drawing/2014/main" id="{C4FEFC89-E0D0-4B26-94E0-6FBED5364BA1}"/>
               </a:ext>
             </a:extLst>
           </p:cNvPr>
@@ -10488,7 +10494,7 @@
           </p:cNvPicPr>
           <p:nvPr/>
         </p:nvPicPr>
-        <p:blipFill rotWithShape="1">
+        <p:blipFill>
           <a:blip r:embed="rId8">
             <a:extLst>
               <a:ext uri="{28A0092B-C50C-407E-A947-70E740481C1C}">
@@ -10496,13 +10502,14 @@
               </a:ext>
             </a:extLst>
           </a:blip>
-          <a:srcRect r="4730" b="1497"/>
-          <a:stretch/>
+          <a:stretch>
+            <a:fillRect/>
+          </a:stretch>
         </p:blipFill>
         <p:spPr>
           <a:xfrm>
-            <a:off x="2929321" y="194530"/>
-            <a:ext cx="2627637" cy="864000"/>
+            <a:off x="3238500" y="212602"/>
+            <a:ext cx="2857500" cy="952500"/>
           </a:xfrm>
           <a:prstGeom prst="rect">
             <a:avLst/>
@@ -10511,10 +10518,10 @@
       </p:pic>
       <p:pic>
         <p:nvPicPr>
-          <p:cNvPr id="19" name="그림 18" descr="개체, 시계이(가) 표시된 사진&#10;&#10;자동 생성된 설명">
-            <a:extLst>
-              <a:ext uri="{FF2B5EF4-FFF2-40B4-BE49-F238E27FC236}">
-                <a16:creationId xmlns:a16="http://schemas.microsoft.com/office/drawing/2014/main" id="{4826D27F-E35D-449D-BD19-D3ED1AF0183A}"/>
+          <p:cNvPr id="30" name="그림 29" descr="개체, 시계이(가) 표시된 사진&#10;&#10;자동 생성된 설명">
+            <a:extLst>
+              <a:ext uri="{FF2B5EF4-FFF2-40B4-BE49-F238E27FC236}">
+                <a16:creationId xmlns:a16="http://schemas.microsoft.com/office/drawing/2014/main" id="{27CF9F6B-1CE3-443F-B126-638A7038131B}"/>
               </a:ext>
             </a:extLst>
           </p:cNvPr>
@@ -10523,7 +10530,7 @@
           </p:cNvPicPr>
           <p:nvPr/>
         </p:nvPicPr>
-        <p:blipFill rotWithShape="1">
+        <p:blipFill>
           <a:blip r:embed="rId9">
             <a:extLst>
               <a:ext uri="{28A0092B-C50C-407E-A947-70E740481C1C}">
@@ -10531,13 +10538,14 @@
               </a:ext>
             </a:extLst>
           </a:blip>
-          <a:srcRect t="1" r="1882" b="437"/>
-          <a:stretch/>
+          <a:stretch>
+            <a:fillRect/>
+          </a:stretch>
         </p:blipFill>
         <p:spPr>
           <a:xfrm>
-            <a:off x="2971118" y="1114404"/>
-            <a:ext cx="2627637" cy="864000"/>
+            <a:off x="3238500" y="1230134"/>
+            <a:ext cx="2857500" cy="952500"/>
           </a:xfrm>
           <a:prstGeom prst="rect">
             <a:avLst/>
@@ -10546,10 +10554,10 @@
       </p:pic>
       <p:pic>
         <p:nvPicPr>
-          <p:cNvPr id="21" name="그림 20" descr="개체, 시계이(가) 표시된 사진&#10;&#10;자동 생성된 설명">
-            <a:extLst>
-              <a:ext uri="{FF2B5EF4-FFF2-40B4-BE49-F238E27FC236}">
-                <a16:creationId xmlns:a16="http://schemas.microsoft.com/office/drawing/2014/main" id="{35C429A2-110C-4840-81A9-50AA90FC7EAF}"/>
+          <p:cNvPr id="34" name="그림 33" descr="개체, 시계, 플레이어이(가) 표시된 사진&#10;&#10;자동 생성된 설명">
+            <a:extLst>
+              <a:ext uri="{FF2B5EF4-FFF2-40B4-BE49-F238E27FC236}">
+                <a16:creationId xmlns:a16="http://schemas.microsoft.com/office/drawing/2014/main" id="{90E23E2D-E3B7-4930-9033-F998AD7AFCFA}"/>
               </a:ext>
             </a:extLst>
           </p:cNvPr>
@@ -10558,7 +10566,7 @@
           </p:cNvPicPr>
           <p:nvPr/>
         </p:nvPicPr>
-        <p:blipFill rotWithShape="1">
+        <p:blipFill>
           <a:blip r:embed="rId10">
             <a:extLst>
               <a:ext uri="{28A0092B-C50C-407E-A947-70E740481C1C}">
@@ -10566,13 +10574,14 @@
               </a:ext>
             </a:extLst>
           </a:blip>
-          <a:srcRect l="-1" r="6445" b="6605"/>
-          <a:stretch/>
+          <a:stretch>
+            <a:fillRect/>
+          </a:stretch>
         </p:blipFill>
         <p:spPr>
           <a:xfrm>
-            <a:off x="2967297" y="2056297"/>
-            <a:ext cx="2457591" cy="864000"/>
+            <a:off x="3238500" y="2247666"/>
+            <a:ext cx="2857500" cy="952500"/>
           </a:xfrm>
           <a:prstGeom prst="rect">
             <a:avLst/>
@@ -10581,10 +10590,10 @@
       </p:pic>
       <p:pic>
         <p:nvPicPr>
-          <p:cNvPr id="23" name="그림 22" descr="개체, 시계이(가) 표시된 사진&#10;&#10;자동 생성된 설명">
-            <a:extLst>
-              <a:ext uri="{FF2B5EF4-FFF2-40B4-BE49-F238E27FC236}">
-                <a16:creationId xmlns:a16="http://schemas.microsoft.com/office/drawing/2014/main" id="{3256A139-068B-44CC-8758-741C238C32B6}"/>
+          <p:cNvPr id="38" name="그림 37" descr="개체, 시계이(가) 표시된 사진&#10;&#10;자동 생성된 설명">
+            <a:extLst>
+              <a:ext uri="{FF2B5EF4-FFF2-40B4-BE49-F238E27FC236}">
+                <a16:creationId xmlns:a16="http://schemas.microsoft.com/office/drawing/2014/main" id="{E1B65B9A-AC0F-4E65-8FF6-6A688D1B8DD5}"/>
               </a:ext>
             </a:extLst>
           </p:cNvPr>
@@ -10593,7 +10602,7 @@
           </p:cNvPicPr>
           <p:nvPr/>
         </p:nvPicPr>
-        <p:blipFill rotWithShape="1">
+        <p:blipFill>
           <a:blip r:embed="rId11">
             <a:extLst>
               <a:ext uri="{28A0092B-C50C-407E-A947-70E740481C1C}">
@@ -10601,13 +10610,14 @@
               </a:ext>
             </a:extLst>
           </a:blip>
-          <a:srcRect t="4804" r="6167"/>
-          <a:stretch/>
+          <a:stretch>
+            <a:fillRect/>
+          </a:stretch>
         </p:blipFill>
         <p:spPr>
           <a:xfrm>
-            <a:off x="2967296" y="3059213"/>
-            <a:ext cx="2529608" cy="864000"/>
+            <a:off x="3238500" y="3265198"/>
+            <a:ext cx="2857500" cy="952500"/>
           </a:xfrm>
           <a:prstGeom prst="rect">
             <a:avLst/>
@@ -10616,10 +10626,10 @@
       </p:pic>
       <p:pic>
         <p:nvPicPr>
-          <p:cNvPr id="25" name="그림 24" descr="개체, 시계이(가) 표시된 사진&#10;&#10;자동 생성된 설명">
-            <a:extLst>
-              <a:ext uri="{FF2B5EF4-FFF2-40B4-BE49-F238E27FC236}">
-                <a16:creationId xmlns:a16="http://schemas.microsoft.com/office/drawing/2014/main" id="{D52A377A-ABAA-4AAE-B359-33C2EB6B772A}"/>
+          <p:cNvPr id="40" name="그림 39" descr="개체, 시계이(가) 표시된 사진&#10;&#10;자동 생성된 설명">
+            <a:extLst>
+              <a:ext uri="{FF2B5EF4-FFF2-40B4-BE49-F238E27FC236}">
+                <a16:creationId xmlns:a16="http://schemas.microsoft.com/office/drawing/2014/main" id="{E307DC90-9942-4F86-9AB6-4E6218478C04}"/>
               </a:ext>
             </a:extLst>
           </p:cNvPr>
@@ -10628,7 +10638,7 @@
           </p:cNvPicPr>
           <p:nvPr/>
         </p:nvPicPr>
-        <p:blipFill rotWithShape="1">
+        <p:blipFill>
           <a:blip r:embed="rId12">
             <a:extLst>
               <a:ext uri="{28A0092B-C50C-407E-A947-70E740481C1C}">
@@ -10636,13 +10646,14 @@
               </a:ext>
             </a:extLst>
           </a:blip>
-          <a:srcRect l="1" r="5536"/>
-          <a:stretch/>
+          <a:stretch>
+            <a:fillRect/>
+          </a:stretch>
         </p:blipFill>
         <p:spPr>
           <a:xfrm>
-            <a:off x="2967296" y="4034961"/>
-            <a:ext cx="2481796" cy="864000"/>
+            <a:off x="3238500" y="4282730"/>
+            <a:ext cx="2857500" cy="952500"/>
           </a:xfrm>
           <a:prstGeom prst="rect">
             <a:avLst/>
@@ -10651,10 +10662,10 @@
       </p:pic>
       <p:pic>
         <p:nvPicPr>
-          <p:cNvPr id="27" name="그림 26" descr="개체, 시계이(가) 표시된 사진&#10;&#10;자동 생성된 설명">
-            <a:extLst>
-              <a:ext uri="{FF2B5EF4-FFF2-40B4-BE49-F238E27FC236}">
-                <a16:creationId xmlns:a16="http://schemas.microsoft.com/office/drawing/2014/main" id="{FE482B38-8F84-48E7-A73A-A7113B510DE9}"/>
+          <p:cNvPr id="42" name="그림 41" descr="개체, 시계이(가) 표시된 사진&#10;&#10;자동 생성된 설명">
+            <a:extLst>
+              <a:ext uri="{FF2B5EF4-FFF2-40B4-BE49-F238E27FC236}">
+                <a16:creationId xmlns:a16="http://schemas.microsoft.com/office/drawing/2014/main" id="{E92284A2-4D24-44AE-B086-E4551BE19208}"/>
               </a:ext>
             </a:extLst>
           </p:cNvPr>
@@ -10663,7 +10674,7 @@
           </p:cNvPicPr>
           <p:nvPr/>
         </p:nvPicPr>
-        <p:blipFill rotWithShape="1">
+        <p:blipFill>
           <a:blip r:embed="rId13">
             <a:extLst>
               <a:ext uri="{28A0092B-C50C-407E-A947-70E740481C1C}">
@@ -10671,13 +10682,14 @@
               </a:ext>
             </a:extLst>
           </a:blip>
-          <a:srcRect l="1" r="7401"/>
-          <a:stretch/>
+          <a:stretch>
+            <a:fillRect/>
+          </a:stretch>
         </p:blipFill>
         <p:spPr>
           <a:xfrm>
-            <a:off x="2967296" y="5025127"/>
-            <a:ext cx="2408080" cy="864000"/>
+            <a:off x="3238500" y="5300262"/>
+            <a:ext cx="2857500" cy="952500"/>
           </a:xfrm>
           <a:prstGeom prst="rect">
             <a:avLst/>
@@ -10686,10 +10698,10 @@
       </p:pic>
       <p:pic>
         <p:nvPicPr>
-          <p:cNvPr id="29" name="그림 28" descr="개체, 시계, 기차이(가) 표시된 사진&#10;&#10;자동 생성된 설명">
-            <a:extLst>
-              <a:ext uri="{FF2B5EF4-FFF2-40B4-BE49-F238E27FC236}">
-                <a16:creationId xmlns:a16="http://schemas.microsoft.com/office/drawing/2014/main" id="{07072E08-9531-4E93-838E-DC8548E868D3}"/>
+          <p:cNvPr id="44" name="그림 43" descr="개체, 시계이(가) 표시된 사진&#10;&#10;자동 생성된 설명">
+            <a:extLst>
+              <a:ext uri="{FF2B5EF4-FFF2-40B4-BE49-F238E27FC236}">
+                <a16:creationId xmlns:a16="http://schemas.microsoft.com/office/drawing/2014/main" id="{D1DBEF9E-72FC-4C6B-A878-0F7937D28BB9}"/>
               </a:ext>
             </a:extLst>
           </p:cNvPr>
@@ -10698,7 +10710,7 @@
           </p:cNvPicPr>
           <p:nvPr/>
         </p:nvPicPr>
-        <p:blipFill rotWithShape="1">
+        <p:blipFill>
           <a:blip r:embed="rId14">
             <a:extLst>
               <a:ext uri="{28A0092B-C50C-407E-A947-70E740481C1C}">
@@ -10706,13 +10718,14 @@
               </a:ext>
             </a:extLst>
           </a:blip>
-          <a:srcRect r="3925"/>
-          <a:stretch/>
+          <a:stretch>
+            <a:fillRect/>
+          </a:stretch>
         </p:blipFill>
         <p:spPr>
           <a:xfrm>
-            <a:off x="5757525" y="177183"/>
-            <a:ext cx="2408079" cy="864000"/>
+            <a:off x="6274424" y="212602"/>
+            <a:ext cx="2857500" cy="952500"/>
           </a:xfrm>
           <a:prstGeom prst="rect">
             <a:avLst/>
@@ -10721,10 +10734,10 @@
       </p:pic>
       <p:pic>
         <p:nvPicPr>
-          <p:cNvPr id="31" name="그림 30" descr="개체, 시계이(가) 표시된 사진&#10;&#10;자동 생성된 설명">
-            <a:extLst>
-              <a:ext uri="{FF2B5EF4-FFF2-40B4-BE49-F238E27FC236}">
-                <a16:creationId xmlns:a16="http://schemas.microsoft.com/office/drawing/2014/main" id="{84F31CED-774D-4F1C-BD48-F4656CFF7DD3}"/>
+          <p:cNvPr id="46" name="그림 45" descr="개체, 시계이(가) 표시된 사진&#10;&#10;자동 생성된 설명">
+            <a:extLst>
+              <a:ext uri="{FF2B5EF4-FFF2-40B4-BE49-F238E27FC236}">
+                <a16:creationId xmlns:a16="http://schemas.microsoft.com/office/drawing/2014/main" id="{A7340111-0120-4804-BB68-DE17BD80A883}"/>
               </a:ext>
             </a:extLst>
           </p:cNvPr>
@@ -10733,7 +10746,7 @@
           </p:cNvPicPr>
           <p:nvPr/>
         </p:nvPicPr>
-        <p:blipFill rotWithShape="1">
+        <p:blipFill>
           <a:blip r:embed="rId15">
             <a:extLst>
               <a:ext uri="{28A0092B-C50C-407E-A947-70E740481C1C}">
@@ -10741,13 +10754,14 @@
               </a:ext>
             </a:extLst>
           </a:blip>
-          <a:srcRect r="6167"/>
-          <a:stretch/>
+          <a:stretch>
+            <a:fillRect/>
+          </a:stretch>
         </p:blipFill>
         <p:spPr>
           <a:xfrm>
-            <a:off x="5759410" y="1218519"/>
-            <a:ext cx="2481795" cy="864000"/>
+            <a:off x="6274424" y="1230134"/>
+            <a:ext cx="2857500" cy="952500"/>
           </a:xfrm>
           <a:prstGeom prst="rect">
             <a:avLst/>
@@ -10756,10 +10770,10 @@
       </p:pic>
       <p:pic>
         <p:nvPicPr>
-          <p:cNvPr id="33" name="그림 32" descr="개체, 시계이(가) 표시된 사진&#10;&#10;자동 생성된 설명">
-            <a:extLst>
-              <a:ext uri="{FF2B5EF4-FFF2-40B4-BE49-F238E27FC236}">
-                <a16:creationId xmlns:a16="http://schemas.microsoft.com/office/drawing/2014/main" id="{40080916-8F83-4D62-9767-918A47B0F87E}"/>
+          <p:cNvPr id="48" name="그림 47" descr="개체, 시계, 플레이어, 법원이(가) 표시된 사진&#10;&#10;자동 생성된 설명">
+            <a:extLst>
+              <a:ext uri="{FF2B5EF4-FFF2-40B4-BE49-F238E27FC236}">
+                <a16:creationId xmlns:a16="http://schemas.microsoft.com/office/drawing/2014/main" id="{613FFC72-CFC1-4D45-8D51-458CFBB71896}"/>
               </a:ext>
             </a:extLst>
           </p:cNvPr>
@@ -10768,7 +10782,7 @@
           </p:cNvPicPr>
           <p:nvPr/>
         </p:nvPicPr>
-        <p:blipFill rotWithShape="1">
+        <p:blipFill>
           <a:blip r:embed="rId16">
             <a:extLst>
               <a:ext uri="{28A0092B-C50C-407E-A947-70E740481C1C}">
@@ -10776,13 +10790,14 @@
               </a:ext>
             </a:extLst>
           </a:blip>
-          <a:srcRect r="4577"/>
-          <a:stretch/>
+          <a:stretch>
+            <a:fillRect/>
+          </a:stretch>
         </p:blipFill>
         <p:spPr>
           <a:xfrm>
-            <a:off x="5759411" y="2218245"/>
-            <a:ext cx="2456728" cy="864000"/>
+            <a:off x="6274424" y="2247666"/>
+            <a:ext cx="2857500" cy="952500"/>
           </a:xfrm>
           <a:prstGeom prst="rect">
             <a:avLst/>
@@ -10791,10 +10806,10 @@
       </p:pic>
       <p:pic>
         <p:nvPicPr>
-          <p:cNvPr id="35" name="그림 34" descr="개체, 시계, 플레이어이(가) 표시된 사진&#10;&#10;자동 생성된 설명">
-            <a:extLst>
-              <a:ext uri="{FF2B5EF4-FFF2-40B4-BE49-F238E27FC236}">
-                <a16:creationId xmlns:a16="http://schemas.microsoft.com/office/drawing/2014/main" id="{22070E8A-54B2-4528-9A28-C5E8FB16C5C6}"/>
+          <p:cNvPr id="50" name="그림 49" descr="개체, 시계, 플레이어이(가) 표시된 사진&#10;&#10;자동 생성된 설명">
+            <a:extLst>
+              <a:ext uri="{FF2B5EF4-FFF2-40B4-BE49-F238E27FC236}">
+                <a16:creationId xmlns:a16="http://schemas.microsoft.com/office/drawing/2014/main" id="{EFB6ED44-99BE-4271-9005-475F71E876D2}"/>
               </a:ext>
             </a:extLst>
           </p:cNvPr>
@@ -10803,7 +10818,7 @@
           </p:cNvPicPr>
           <p:nvPr/>
         </p:nvPicPr>
-        <p:blipFill rotWithShape="1">
+        <p:blipFill>
           <a:blip r:embed="rId17">
             <a:extLst>
               <a:ext uri="{28A0092B-C50C-407E-A947-70E740481C1C}">
@@ -10811,48 +10826,14 @@
               </a:ext>
             </a:extLst>
           </a:blip>
-          <a:srcRect r="5536"/>
-          <a:stretch/>
+          <a:stretch>
+            <a:fillRect/>
+          </a:stretch>
         </p:blipFill>
         <p:spPr>
           <a:xfrm>
-            <a:off x="5759409" y="3232217"/>
-            <a:ext cx="2533501" cy="864000"/>
-          </a:xfrm>
-          <a:prstGeom prst="rect">
-            <a:avLst/>
-          </a:prstGeom>
-        </p:spPr>
-      </p:pic>
-      <p:pic>
-        <p:nvPicPr>
-          <p:cNvPr id="36" name="그림 35" descr="개체, 시계이(가) 표시된 사진&#10;&#10;자동 생성된 설명">
-            <a:extLst>
-              <a:ext uri="{FF2B5EF4-FFF2-40B4-BE49-F238E27FC236}">
-                <a16:creationId xmlns:a16="http://schemas.microsoft.com/office/drawing/2014/main" id="{F96059B6-DE6A-4385-A00F-75D778CFA4E9}"/>
-              </a:ext>
-            </a:extLst>
-          </p:cNvPr>
-          <p:cNvPicPr>
-            <a:picLocks noChangeAspect="1"/>
-          </p:cNvPicPr>
-          <p:nvPr/>
-        </p:nvPicPr>
-        <p:blipFill rotWithShape="1">
-          <a:blip r:embed="rId2">
-            <a:extLst>
-              <a:ext uri="{28A0092B-C50C-407E-A947-70E740481C1C}">
-                <a14:useLocalDpi xmlns:a14="http://schemas.microsoft.com/office/drawing/2010/main" val="0"/>
-              </a:ext>
-            </a:extLst>
-          </a:blip>
-          <a:srcRect r="3093"/>
-          <a:stretch/>
-        </p:blipFill>
-        <p:spPr>
-          <a:xfrm>
-            <a:off x="5757526" y="4217614"/>
-            <a:ext cx="2619871" cy="864000"/>
+            <a:off x="6274424" y="3265198"/>
+            <a:ext cx="2857500" cy="952500"/>
           </a:xfrm>
           <a:prstGeom prst="rect">
             <a:avLst/>
